--- a/Presentation - 1.2.pptx
+++ b/Presentation - 1.2.pptx
@@ -14,6 +14,23 @@
     <p:sldId id="265" r:id="rId8"/>
     <p:sldId id="260" r:id="rId9"/>
     <p:sldId id="261" r:id="rId10"/>
+    <p:sldId id="266" r:id="rId11"/>
+    <p:sldId id="267" r:id="rId12"/>
+    <p:sldId id="268" r:id="rId13"/>
+    <p:sldId id="269" r:id="rId14"/>
+    <p:sldId id="270" r:id="rId15"/>
+    <p:sldId id="271" r:id="rId16"/>
+    <p:sldId id="272" r:id="rId17"/>
+    <p:sldId id="273" r:id="rId18"/>
+    <p:sldId id="274" r:id="rId19"/>
+    <p:sldId id="282" r:id="rId20"/>
+    <p:sldId id="275" r:id="rId21"/>
+    <p:sldId id="276" r:id="rId22"/>
+    <p:sldId id="277" r:id="rId23"/>
+    <p:sldId id="278" r:id="rId24"/>
+    <p:sldId id="279" r:id="rId25"/>
+    <p:sldId id="280" r:id="rId26"/>
+    <p:sldId id="281" r:id="rId27"/>
   </p:sldIdLst>
   <p:sldSz cx="9144000" cy="6858000" type="screen4x3"/>
   <p:notesSz cx="6858000" cy="9144000"/>
@@ -113,6 +130,1629 @@
     </a:lvl9pPr>
   </p:defaultTextStyle>
 </p:presentation>
+</file>
+
+<file path=ppt/charts/chart1.xml><?xml version="1.0" encoding="utf-8"?>
+<c:chartSpace xmlns:c="http://schemas.openxmlformats.org/drawingml/2006/chart" xmlns:a="http://schemas.openxmlformats.org/drawingml/2006/main" xmlns:r="http://schemas.openxmlformats.org/officeDocument/2006/relationships">
+  <c:date1904 val="0"/>
+  <c:lang val="en-US"/>
+  <c:roundedCorners val="0"/>
+  <mc:AlternateContent xmlns:mc="http://schemas.openxmlformats.org/markup-compatibility/2006">
+    <mc:Choice xmlns:c14="http://schemas.microsoft.com/office/drawing/2007/8/2/chart" Requires="c14">
+      <c14:style val="118"/>
+    </mc:Choice>
+    <mc:Fallback>
+      <c:style val="18"/>
+    </mc:Fallback>
+  </mc:AlternateContent>
+  <c:chart>
+    <c:title>
+      <c:layout/>
+      <c:overlay val="0"/>
+    </c:title>
+    <c:autoTitleDeleted val="0"/>
+    <c:plotArea>
+      <c:layout/>
+      <c:barChart>
+        <c:barDir val="col"/>
+        <c:grouping val="stacked"/>
+        <c:varyColors val="0"/>
+        <c:ser>
+          <c:idx val="0"/>
+          <c:order val="0"/>
+          <c:tx>
+            <c:strRef>
+              <c:f>Sheet1!$C$1</c:f>
+              <c:strCache>
+                <c:ptCount val="1"/>
+                <c:pt idx="0">
+                  <c:v>whole blood</c:v>
+                </c:pt>
+              </c:strCache>
+            </c:strRef>
+          </c:tx>
+          <c:invertIfNegative val="0"/>
+          <c:cat>
+            <c:strRef>
+              <c:f>Sheet1!$A$2:$A$25</c:f>
+              <c:strCache>
+                <c:ptCount val="24"/>
+                <c:pt idx="0">
+                  <c:v>1</c:v>
+                </c:pt>
+                <c:pt idx="1">
+                  <c:v>2</c:v>
+                </c:pt>
+                <c:pt idx="2">
+                  <c:v>3</c:v>
+                </c:pt>
+                <c:pt idx="3">
+                  <c:v>4</c:v>
+                </c:pt>
+                <c:pt idx="4">
+                  <c:v>5</c:v>
+                </c:pt>
+                <c:pt idx="5">
+                  <c:v>6</c:v>
+                </c:pt>
+                <c:pt idx="6">
+                  <c:v>7</c:v>
+                </c:pt>
+                <c:pt idx="7">
+                  <c:v>8</c:v>
+                </c:pt>
+                <c:pt idx="8">
+                  <c:v>9</c:v>
+                </c:pt>
+                <c:pt idx="9">
+                  <c:v>10</c:v>
+                </c:pt>
+                <c:pt idx="10">
+                  <c:v>11</c:v>
+                </c:pt>
+                <c:pt idx="11">
+                  <c:v>12</c:v>
+                </c:pt>
+                <c:pt idx="12">
+                  <c:v>13</c:v>
+                </c:pt>
+                <c:pt idx="13">
+                  <c:v>14</c:v>
+                </c:pt>
+                <c:pt idx="14">
+                  <c:v>15</c:v>
+                </c:pt>
+                <c:pt idx="15">
+                  <c:v>16</c:v>
+                </c:pt>
+                <c:pt idx="16">
+                  <c:v>17</c:v>
+                </c:pt>
+                <c:pt idx="17">
+                  <c:v>18</c:v>
+                </c:pt>
+                <c:pt idx="18">
+                  <c:v>19</c:v>
+                </c:pt>
+                <c:pt idx="19">
+                  <c:v>20</c:v>
+                </c:pt>
+                <c:pt idx="20">
+                  <c:v>21</c:v>
+                </c:pt>
+                <c:pt idx="21">
+                  <c:v>22</c:v>
+                </c:pt>
+                <c:pt idx="22">
+                  <c:v>x</c:v>
+                </c:pt>
+                <c:pt idx="23">
+                  <c:v>y</c:v>
+                </c:pt>
+              </c:strCache>
+            </c:strRef>
+          </c:cat>
+          <c:val>
+            <c:numRef>
+              <c:f>Sheet1!$C$2:$C$25</c:f>
+              <c:numCache>
+                <c:formatCode>General</c:formatCode>
+                <c:ptCount val="24"/>
+                <c:pt idx="0">
+                  <c:v>31301.0</c:v>
+                </c:pt>
+                <c:pt idx="1">
+                  <c:v>28764.0</c:v>
+                </c:pt>
+                <c:pt idx="2">
+                  <c:v>22113.0</c:v>
+                </c:pt>
+                <c:pt idx="3">
+                  <c:v>16786.0</c:v>
+                </c:pt>
+                <c:pt idx="4">
+                  <c:v>16380.0</c:v>
+                </c:pt>
+                <c:pt idx="5">
+                  <c:v>100038.0</c:v>
+                </c:pt>
+                <c:pt idx="6">
+                  <c:v>27456.0</c:v>
+                </c:pt>
+                <c:pt idx="7">
+                  <c:v>13221.0</c:v>
+                </c:pt>
+                <c:pt idx="8">
+                  <c:v>12617.0</c:v>
+                </c:pt>
+                <c:pt idx="9">
+                  <c:v>15742.0</c:v>
+                </c:pt>
+                <c:pt idx="10">
+                  <c:v>17750.0</c:v>
+                </c:pt>
+                <c:pt idx="11">
+                  <c:v>17129.0</c:v>
+                </c:pt>
+                <c:pt idx="12">
+                  <c:v>4429.0</c:v>
+                </c:pt>
+                <c:pt idx="13">
+                  <c:v>12817.0</c:v>
+                </c:pt>
+                <c:pt idx="14">
+                  <c:v>13099.0</c:v>
+                </c:pt>
+                <c:pt idx="15">
+                  <c:v>20516.0</c:v>
+                </c:pt>
+                <c:pt idx="16">
+                  <c:v>22265.0</c:v>
+                </c:pt>
+                <c:pt idx="17">
+                  <c:v>4456.0</c:v>
+                </c:pt>
+                <c:pt idx="18">
+                  <c:v>19009.0</c:v>
+                </c:pt>
+                <c:pt idx="19">
+                  <c:v>7311.0</c:v>
+                </c:pt>
+                <c:pt idx="20">
+                  <c:v>5563.0</c:v>
+                </c:pt>
+                <c:pt idx="21">
+                  <c:v>12306.0</c:v>
+                </c:pt>
+                <c:pt idx="22">
+                  <c:v>7344.0</c:v>
+                </c:pt>
+                <c:pt idx="23">
+                  <c:v>0.0</c:v>
+                </c:pt>
+              </c:numCache>
+            </c:numRef>
+          </c:val>
+        </c:ser>
+        <c:dLbls>
+          <c:showLegendKey val="0"/>
+          <c:showVal val="0"/>
+          <c:showCatName val="0"/>
+          <c:showSerName val="0"/>
+          <c:showPercent val="0"/>
+          <c:showBubbleSize val="0"/>
+        </c:dLbls>
+        <c:gapWidth val="150"/>
+        <c:overlap val="100"/>
+        <c:axId val="-2078460184"/>
+        <c:axId val="-2078781672"/>
+      </c:barChart>
+      <c:catAx>
+        <c:axId val="-2078460184"/>
+        <c:scaling>
+          <c:orientation val="minMax"/>
+        </c:scaling>
+        <c:delete val="0"/>
+        <c:axPos val="b"/>
+        <c:majorTickMark val="out"/>
+        <c:minorTickMark val="none"/>
+        <c:tickLblPos val="nextTo"/>
+        <c:crossAx val="-2078781672"/>
+        <c:crosses val="autoZero"/>
+        <c:auto val="1"/>
+        <c:lblAlgn val="ctr"/>
+        <c:lblOffset val="100"/>
+        <c:noMultiLvlLbl val="0"/>
+      </c:catAx>
+      <c:valAx>
+        <c:axId val="-2078781672"/>
+        <c:scaling>
+          <c:orientation val="minMax"/>
+        </c:scaling>
+        <c:delete val="0"/>
+        <c:axPos val="l"/>
+        <c:majorGridlines/>
+        <c:numFmt formatCode="General" sourceLinked="1"/>
+        <c:majorTickMark val="out"/>
+        <c:minorTickMark val="none"/>
+        <c:tickLblPos val="nextTo"/>
+        <c:crossAx val="-2078460184"/>
+        <c:crosses val="autoZero"/>
+        <c:crossBetween val="between"/>
+      </c:valAx>
+    </c:plotArea>
+    <c:legend>
+      <c:legendPos val="r"/>
+      <c:layout/>
+      <c:overlay val="0"/>
+    </c:legend>
+    <c:plotVisOnly val="1"/>
+    <c:dispBlanksAs val="gap"/>
+    <c:showDLblsOverMax val="0"/>
+  </c:chart>
+  <c:externalData r:id="rId1">
+    <c:autoUpdate val="0"/>
+  </c:externalData>
+</c:chartSpace>
+</file>
+
+<file path=ppt/charts/chart2.xml><?xml version="1.0" encoding="utf-8"?>
+<c:chartSpace xmlns:c="http://schemas.openxmlformats.org/drawingml/2006/chart" xmlns:a="http://schemas.openxmlformats.org/drawingml/2006/main" xmlns:r="http://schemas.openxmlformats.org/officeDocument/2006/relationships">
+  <c:date1904 val="0"/>
+  <c:lang val="en-US"/>
+  <c:roundedCorners val="0"/>
+  <mc:AlternateContent xmlns:mc="http://schemas.openxmlformats.org/markup-compatibility/2006">
+    <mc:Choice xmlns:c14="http://schemas.microsoft.com/office/drawing/2007/8/2/chart" Requires="c14">
+      <c14:style val="118"/>
+    </mc:Choice>
+    <mc:Fallback>
+      <c:style val="18"/>
+    </mc:Fallback>
+  </mc:AlternateContent>
+  <c:chart>
+    <c:title>
+      <c:tx>
+        <c:rich>
+          <a:bodyPr/>
+          <a:lstStyle/>
+          <a:p>
+            <a:pPr>
+              <a:defRPr/>
+            </a:pPr>
+            <a:r>
+              <a:rPr lang="en-US"/>
+              <a:t>whole blood normalized to SNP number</a:t>
+            </a:r>
+          </a:p>
+        </c:rich>
+      </c:tx>
+      <c:layout/>
+      <c:overlay val="0"/>
+    </c:title>
+    <c:autoTitleDeleted val="0"/>
+    <c:plotArea>
+      <c:layout/>
+      <c:barChart>
+        <c:barDir val="col"/>
+        <c:grouping val="clustered"/>
+        <c:varyColors val="0"/>
+        <c:ser>
+          <c:idx val="0"/>
+          <c:order val="0"/>
+          <c:tx>
+            <c:strRef>
+              <c:f>Sheet1!$D$1</c:f>
+              <c:strCache>
+                <c:ptCount val="1"/>
+                <c:pt idx="0">
+                  <c:v>normalize blood</c:v>
+                </c:pt>
+              </c:strCache>
+            </c:strRef>
+          </c:tx>
+          <c:invertIfNegative val="0"/>
+          <c:cat>
+            <c:strRef>
+              <c:f>Sheet1!$A$2:$A$25</c:f>
+              <c:strCache>
+                <c:ptCount val="24"/>
+                <c:pt idx="0">
+                  <c:v>1</c:v>
+                </c:pt>
+                <c:pt idx="1">
+                  <c:v>2</c:v>
+                </c:pt>
+                <c:pt idx="2">
+                  <c:v>3</c:v>
+                </c:pt>
+                <c:pt idx="3">
+                  <c:v>4</c:v>
+                </c:pt>
+                <c:pt idx="4">
+                  <c:v>5</c:v>
+                </c:pt>
+                <c:pt idx="5">
+                  <c:v>6</c:v>
+                </c:pt>
+                <c:pt idx="6">
+                  <c:v>7</c:v>
+                </c:pt>
+                <c:pt idx="7">
+                  <c:v>8</c:v>
+                </c:pt>
+                <c:pt idx="8">
+                  <c:v>9</c:v>
+                </c:pt>
+                <c:pt idx="9">
+                  <c:v>10</c:v>
+                </c:pt>
+                <c:pt idx="10">
+                  <c:v>11</c:v>
+                </c:pt>
+                <c:pt idx="11">
+                  <c:v>12</c:v>
+                </c:pt>
+                <c:pt idx="12">
+                  <c:v>13</c:v>
+                </c:pt>
+                <c:pt idx="13">
+                  <c:v>14</c:v>
+                </c:pt>
+                <c:pt idx="14">
+                  <c:v>15</c:v>
+                </c:pt>
+                <c:pt idx="15">
+                  <c:v>16</c:v>
+                </c:pt>
+                <c:pt idx="16">
+                  <c:v>17</c:v>
+                </c:pt>
+                <c:pt idx="17">
+                  <c:v>18</c:v>
+                </c:pt>
+                <c:pt idx="18">
+                  <c:v>19</c:v>
+                </c:pt>
+                <c:pt idx="19">
+                  <c:v>20</c:v>
+                </c:pt>
+                <c:pt idx="20">
+                  <c:v>21</c:v>
+                </c:pt>
+                <c:pt idx="21">
+                  <c:v>22</c:v>
+                </c:pt>
+                <c:pt idx="22">
+                  <c:v>x</c:v>
+                </c:pt>
+                <c:pt idx="23">
+                  <c:v>y</c:v>
+                </c:pt>
+              </c:strCache>
+            </c:strRef>
+          </c:cat>
+          <c:val>
+            <c:numRef>
+              <c:f>Sheet1!$D$2:$D$25</c:f>
+              <c:numCache>
+                <c:formatCode>General</c:formatCode>
+                <c:ptCount val="24"/>
+                <c:pt idx="0">
+                  <c:v>0.117343840207538</c:v>
+                </c:pt>
+                <c:pt idx="1">
+                  <c:v>0.10163526634913</c:v>
+                </c:pt>
+                <c:pt idx="2">
+                  <c:v>0.0926105857421662</c:v>
+                </c:pt>
+                <c:pt idx="3">
+                  <c:v>0.0657338768733137</c:v>
+                </c:pt>
+                <c:pt idx="4">
+                  <c:v>0.0763647044014602</c:v>
+                </c:pt>
+                <c:pt idx="5">
+                  <c:v>0.442454157046944</c:v>
+                </c:pt>
+                <c:pt idx="6">
+                  <c:v>0.140748031496063</c:v>
+                </c:pt>
+                <c:pt idx="7">
+                  <c:v>0.0713022187226974</c:v>
+                </c:pt>
+                <c:pt idx="8">
+                  <c:v>0.0862488549827051</c:v>
+                </c:pt>
+                <c:pt idx="9">
+                  <c:v>0.0888464968224763</c:v>
+                </c:pt>
+                <c:pt idx="10">
+                  <c:v>0.100389681637455</c:v>
+                </c:pt>
+                <c:pt idx="11">
+                  <c:v>0.105577505069619</c:v>
+                </c:pt>
+                <c:pt idx="12">
+                  <c:v>0.0330455803681348</c:v>
+                </c:pt>
+                <c:pt idx="13">
+                  <c:v>0.116168619880179</c:v>
+                </c:pt>
+                <c:pt idx="14">
+                  <c:v>0.124354446722868</c:v>
+                </c:pt>
+                <c:pt idx="15">
+                  <c:v>0.196847145063949</c:v>
+                </c:pt>
+                <c:pt idx="16">
+                  <c:v>0.246621621621622</c:v>
+                </c:pt>
+                <c:pt idx="17">
+                  <c:v>0.0435909726773818</c:v>
+                </c:pt>
+                <c:pt idx="18">
+                  <c:v>0.258840670488433</c:v>
+                </c:pt>
+                <c:pt idx="19">
+                  <c:v>0.104847268033845</c:v>
+                </c:pt>
+                <c:pt idx="20">
+                  <c:v>0.111848322174639</c:v>
+                </c:pt>
+                <c:pt idx="21">
+                  <c:v>0.269915774697315</c:v>
+                </c:pt>
+                <c:pt idx="22">
+                  <c:v>0.0913205670231285</c:v>
+                </c:pt>
+                <c:pt idx="23">
+                  <c:v>0.0</c:v>
+                </c:pt>
+              </c:numCache>
+            </c:numRef>
+          </c:val>
+        </c:ser>
+        <c:dLbls>
+          <c:showLegendKey val="0"/>
+          <c:showVal val="0"/>
+          <c:showCatName val="0"/>
+          <c:showSerName val="0"/>
+          <c:showPercent val="0"/>
+          <c:showBubbleSize val="0"/>
+        </c:dLbls>
+        <c:gapWidth val="150"/>
+        <c:axId val="-2078544456"/>
+        <c:axId val="-2073071288"/>
+      </c:barChart>
+      <c:catAx>
+        <c:axId val="-2078544456"/>
+        <c:scaling>
+          <c:orientation val="minMax"/>
+        </c:scaling>
+        <c:delete val="0"/>
+        <c:axPos val="b"/>
+        <c:majorTickMark val="out"/>
+        <c:minorTickMark val="none"/>
+        <c:tickLblPos val="nextTo"/>
+        <c:crossAx val="-2073071288"/>
+        <c:crosses val="autoZero"/>
+        <c:auto val="1"/>
+        <c:lblAlgn val="ctr"/>
+        <c:lblOffset val="100"/>
+        <c:noMultiLvlLbl val="0"/>
+      </c:catAx>
+      <c:valAx>
+        <c:axId val="-2073071288"/>
+        <c:scaling>
+          <c:orientation val="minMax"/>
+        </c:scaling>
+        <c:delete val="0"/>
+        <c:axPos val="l"/>
+        <c:majorGridlines/>
+        <c:numFmt formatCode="General" sourceLinked="1"/>
+        <c:majorTickMark val="out"/>
+        <c:minorTickMark val="none"/>
+        <c:tickLblPos val="nextTo"/>
+        <c:crossAx val="-2078544456"/>
+        <c:crosses val="autoZero"/>
+        <c:crossBetween val="between"/>
+      </c:valAx>
+    </c:plotArea>
+    <c:legend>
+      <c:legendPos val="r"/>
+      <c:layout/>
+      <c:overlay val="0"/>
+    </c:legend>
+    <c:plotVisOnly val="1"/>
+    <c:dispBlanksAs val="gap"/>
+    <c:showDLblsOverMax val="0"/>
+  </c:chart>
+  <c:externalData r:id="rId1">
+    <c:autoUpdate val="0"/>
+  </c:externalData>
+</c:chartSpace>
+</file>
+
+<file path=ppt/charts/chart3.xml><?xml version="1.0" encoding="utf-8"?>
+<c:chartSpace xmlns:c="http://schemas.openxmlformats.org/drawingml/2006/chart" xmlns:a="http://schemas.openxmlformats.org/drawingml/2006/main" xmlns:r="http://schemas.openxmlformats.org/officeDocument/2006/relationships">
+  <c:date1904 val="0"/>
+  <c:lang val="en-US"/>
+  <c:roundedCorners val="0"/>
+  <mc:AlternateContent xmlns:mc="http://schemas.openxmlformats.org/markup-compatibility/2006">
+    <mc:Choice xmlns:c14="http://schemas.microsoft.com/office/drawing/2007/8/2/chart" Requires="c14">
+      <c14:style val="118"/>
+    </mc:Choice>
+    <mc:Fallback>
+      <c:style val="18"/>
+    </mc:Fallback>
+  </mc:AlternateContent>
+  <c:chart>
+    <c:title>
+      <c:layout/>
+      <c:overlay val="0"/>
+    </c:title>
+    <c:autoTitleDeleted val="0"/>
+    <c:plotArea>
+      <c:layout/>
+      <c:barChart>
+        <c:barDir val="col"/>
+        <c:grouping val="clustered"/>
+        <c:varyColors val="0"/>
+        <c:ser>
+          <c:idx val="0"/>
+          <c:order val="0"/>
+          <c:tx>
+            <c:strRef>
+              <c:f>Sheet1!$E$1</c:f>
+              <c:strCache>
+                <c:ptCount val="1"/>
+                <c:pt idx="0">
+                  <c:v>liver</c:v>
+                </c:pt>
+              </c:strCache>
+            </c:strRef>
+          </c:tx>
+          <c:invertIfNegative val="0"/>
+          <c:cat>
+            <c:strRef>
+              <c:f>Sheet1!$A$2:$A$25</c:f>
+              <c:strCache>
+                <c:ptCount val="24"/>
+                <c:pt idx="0">
+                  <c:v>1</c:v>
+                </c:pt>
+                <c:pt idx="1">
+                  <c:v>2</c:v>
+                </c:pt>
+                <c:pt idx="2">
+                  <c:v>3</c:v>
+                </c:pt>
+                <c:pt idx="3">
+                  <c:v>4</c:v>
+                </c:pt>
+                <c:pt idx="4">
+                  <c:v>5</c:v>
+                </c:pt>
+                <c:pt idx="5">
+                  <c:v>6</c:v>
+                </c:pt>
+                <c:pt idx="6">
+                  <c:v>7</c:v>
+                </c:pt>
+                <c:pt idx="7">
+                  <c:v>8</c:v>
+                </c:pt>
+                <c:pt idx="8">
+                  <c:v>9</c:v>
+                </c:pt>
+                <c:pt idx="9">
+                  <c:v>10</c:v>
+                </c:pt>
+                <c:pt idx="10">
+                  <c:v>11</c:v>
+                </c:pt>
+                <c:pt idx="11">
+                  <c:v>12</c:v>
+                </c:pt>
+                <c:pt idx="12">
+                  <c:v>13</c:v>
+                </c:pt>
+                <c:pt idx="13">
+                  <c:v>14</c:v>
+                </c:pt>
+                <c:pt idx="14">
+                  <c:v>15</c:v>
+                </c:pt>
+                <c:pt idx="15">
+                  <c:v>16</c:v>
+                </c:pt>
+                <c:pt idx="16">
+                  <c:v>17</c:v>
+                </c:pt>
+                <c:pt idx="17">
+                  <c:v>18</c:v>
+                </c:pt>
+                <c:pt idx="18">
+                  <c:v>19</c:v>
+                </c:pt>
+                <c:pt idx="19">
+                  <c:v>20</c:v>
+                </c:pt>
+                <c:pt idx="20">
+                  <c:v>21</c:v>
+                </c:pt>
+                <c:pt idx="21">
+                  <c:v>22</c:v>
+                </c:pt>
+                <c:pt idx="22">
+                  <c:v>x</c:v>
+                </c:pt>
+                <c:pt idx="23">
+                  <c:v>y</c:v>
+                </c:pt>
+              </c:strCache>
+            </c:strRef>
+          </c:cat>
+          <c:val>
+            <c:numRef>
+              <c:f>Sheet1!$E$2:$E$25</c:f>
+              <c:numCache>
+                <c:formatCode>General</c:formatCode>
+                <c:ptCount val="24"/>
+                <c:pt idx="0">
+                  <c:v>5001.0</c:v>
+                </c:pt>
+                <c:pt idx="1">
+                  <c:v>4384.0</c:v>
+                </c:pt>
+                <c:pt idx="2">
+                  <c:v>2431.0</c:v>
+                </c:pt>
+                <c:pt idx="3">
+                  <c:v>3004.0</c:v>
+                </c:pt>
+                <c:pt idx="4">
+                  <c:v>2550.0</c:v>
+                </c:pt>
+                <c:pt idx="5">
+                  <c:v>17059.0</c:v>
+                </c:pt>
+                <c:pt idx="6">
+                  <c:v>5043.0</c:v>
+                </c:pt>
+                <c:pt idx="7">
+                  <c:v>1897.0</c:v>
+                </c:pt>
+                <c:pt idx="8">
+                  <c:v>2768.0</c:v>
+                </c:pt>
+                <c:pt idx="9">
+                  <c:v>3011.0</c:v>
+                </c:pt>
+                <c:pt idx="10">
+                  <c:v>3597.0</c:v>
+                </c:pt>
+                <c:pt idx="11">
+                  <c:v>2626.0</c:v>
+                </c:pt>
+                <c:pt idx="12">
+                  <c:v>546.0</c:v>
+                </c:pt>
+                <c:pt idx="13">
+                  <c:v>847.0</c:v>
+                </c:pt>
+                <c:pt idx="14">
+                  <c:v>2791.0</c:v>
+                </c:pt>
+                <c:pt idx="15">
+                  <c:v>3029.0</c:v>
+                </c:pt>
+                <c:pt idx="16">
+                  <c:v>4235.0</c:v>
+                </c:pt>
+                <c:pt idx="17">
+                  <c:v>981.0</c:v>
+                </c:pt>
+                <c:pt idx="18">
+                  <c:v>3302.0</c:v>
+                </c:pt>
+                <c:pt idx="19">
+                  <c:v>808.0</c:v>
+                </c:pt>
+                <c:pt idx="20">
+                  <c:v>649.0</c:v>
+                </c:pt>
+                <c:pt idx="21">
+                  <c:v>2534.0</c:v>
+                </c:pt>
+                <c:pt idx="22">
+                  <c:v>1729.0</c:v>
+                </c:pt>
+              </c:numCache>
+            </c:numRef>
+          </c:val>
+        </c:ser>
+        <c:dLbls>
+          <c:showLegendKey val="0"/>
+          <c:showVal val="0"/>
+          <c:showCatName val="0"/>
+          <c:showSerName val="0"/>
+          <c:showPercent val="0"/>
+          <c:showBubbleSize val="0"/>
+        </c:dLbls>
+        <c:gapWidth val="150"/>
+        <c:axId val="2119701896"/>
+        <c:axId val="2121536984"/>
+      </c:barChart>
+      <c:catAx>
+        <c:axId val="2119701896"/>
+        <c:scaling>
+          <c:orientation val="minMax"/>
+        </c:scaling>
+        <c:delete val="0"/>
+        <c:axPos val="b"/>
+        <c:majorTickMark val="out"/>
+        <c:minorTickMark val="none"/>
+        <c:tickLblPos val="nextTo"/>
+        <c:crossAx val="2121536984"/>
+        <c:crosses val="autoZero"/>
+        <c:auto val="1"/>
+        <c:lblAlgn val="ctr"/>
+        <c:lblOffset val="100"/>
+        <c:noMultiLvlLbl val="0"/>
+      </c:catAx>
+      <c:valAx>
+        <c:axId val="2121536984"/>
+        <c:scaling>
+          <c:orientation val="minMax"/>
+        </c:scaling>
+        <c:delete val="0"/>
+        <c:axPos val="l"/>
+        <c:majorGridlines/>
+        <c:numFmt formatCode="General" sourceLinked="1"/>
+        <c:majorTickMark val="out"/>
+        <c:minorTickMark val="none"/>
+        <c:tickLblPos val="nextTo"/>
+        <c:crossAx val="2119701896"/>
+        <c:crosses val="autoZero"/>
+        <c:crossBetween val="between"/>
+      </c:valAx>
+    </c:plotArea>
+    <c:legend>
+      <c:legendPos val="r"/>
+      <c:layout/>
+      <c:overlay val="0"/>
+    </c:legend>
+    <c:plotVisOnly val="1"/>
+    <c:dispBlanksAs val="gap"/>
+    <c:showDLblsOverMax val="0"/>
+  </c:chart>
+  <c:externalData r:id="rId1">
+    <c:autoUpdate val="0"/>
+  </c:externalData>
+</c:chartSpace>
+</file>
+
+<file path=ppt/charts/chart4.xml><?xml version="1.0" encoding="utf-8"?>
+<c:chartSpace xmlns:c="http://schemas.openxmlformats.org/drawingml/2006/chart" xmlns:a="http://schemas.openxmlformats.org/drawingml/2006/main" xmlns:r="http://schemas.openxmlformats.org/officeDocument/2006/relationships">
+  <c:date1904 val="0"/>
+  <c:lang val="en-US"/>
+  <c:roundedCorners val="0"/>
+  <mc:AlternateContent xmlns:mc="http://schemas.openxmlformats.org/markup-compatibility/2006">
+    <mc:Choice xmlns:c14="http://schemas.microsoft.com/office/drawing/2007/8/2/chart" Requires="c14">
+      <c14:style val="118"/>
+    </mc:Choice>
+    <mc:Fallback>
+      <c:style val="18"/>
+    </mc:Fallback>
+  </mc:AlternateContent>
+  <c:chart>
+    <c:title>
+      <c:tx>
+        <c:rich>
+          <a:bodyPr/>
+          <a:lstStyle/>
+          <a:p>
+            <a:pPr>
+              <a:defRPr/>
+            </a:pPr>
+            <a:r>
+              <a:rPr lang="en-US" dirty="0" smtClean="0"/>
+              <a:t>Liver normalized to SNP number</a:t>
+            </a:r>
+            <a:endParaRPr lang="en-US" dirty="0"/>
+          </a:p>
+        </c:rich>
+      </c:tx>
+      <c:layout/>
+      <c:overlay val="0"/>
+    </c:title>
+    <c:autoTitleDeleted val="0"/>
+    <c:plotArea>
+      <c:layout/>
+      <c:barChart>
+        <c:barDir val="col"/>
+        <c:grouping val="clustered"/>
+        <c:varyColors val="0"/>
+        <c:ser>
+          <c:idx val="0"/>
+          <c:order val="0"/>
+          <c:tx>
+            <c:strRef>
+              <c:f>Sheet1!$F$1</c:f>
+              <c:strCache>
+                <c:ptCount val="1"/>
+                <c:pt idx="0">
+                  <c:v>normalize liver</c:v>
+                </c:pt>
+              </c:strCache>
+            </c:strRef>
+          </c:tx>
+          <c:invertIfNegative val="0"/>
+          <c:cat>
+            <c:strRef>
+              <c:f>Sheet1!$A$2:$A$25</c:f>
+              <c:strCache>
+                <c:ptCount val="24"/>
+                <c:pt idx="0">
+                  <c:v>1</c:v>
+                </c:pt>
+                <c:pt idx="1">
+                  <c:v>2</c:v>
+                </c:pt>
+                <c:pt idx="2">
+                  <c:v>3</c:v>
+                </c:pt>
+                <c:pt idx="3">
+                  <c:v>4</c:v>
+                </c:pt>
+                <c:pt idx="4">
+                  <c:v>5</c:v>
+                </c:pt>
+                <c:pt idx="5">
+                  <c:v>6</c:v>
+                </c:pt>
+                <c:pt idx="6">
+                  <c:v>7</c:v>
+                </c:pt>
+                <c:pt idx="7">
+                  <c:v>8</c:v>
+                </c:pt>
+                <c:pt idx="8">
+                  <c:v>9</c:v>
+                </c:pt>
+                <c:pt idx="9">
+                  <c:v>10</c:v>
+                </c:pt>
+                <c:pt idx="10">
+                  <c:v>11</c:v>
+                </c:pt>
+                <c:pt idx="11">
+                  <c:v>12</c:v>
+                </c:pt>
+                <c:pt idx="12">
+                  <c:v>13</c:v>
+                </c:pt>
+                <c:pt idx="13">
+                  <c:v>14</c:v>
+                </c:pt>
+                <c:pt idx="14">
+                  <c:v>15</c:v>
+                </c:pt>
+                <c:pt idx="15">
+                  <c:v>16</c:v>
+                </c:pt>
+                <c:pt idx="16">
+                  <c:v>17</c:v>
+                </c:pt>
+                <c:pt idx="17">
+                  <c:v>18</c:v>
+                </c:pt>
+                <c:pt idx="18">
+                  <c:v>19</c:v>
+                </c:pt>
+                <c:pt idx="19">
+                  <c:v>20</c:v>
+                </c:pt>
+                <c:pt idx="20">
+                  <c:v>21</c:v>
+                </c:pt>
+                <c:pt idx="21">
+                  <c:v>22</c:v>
+                </c:pt>
+                <c:pt idx="22">
+                  <c:v>x</c:v>
+                </c:pt>
+                <c:pt idx="23">
+                  <c:v>y</c:v>
+                </c:pt>
+              </c:strCache>
+            </c:strRef>
+          </c:cat>
+          <c:val>
+            <c:numRef>
+              <c:f>Sheet1!$F$2:$F$25</c:f>
+              <c:numCache>
+                <c:formatCode>General</c:formatCode>
+                <c:ptCount val="24"/>
+                <c:pt idx="0">
+                  <c:v>0.0187481724187054</c:v>
+                </c:pt>
+                <c:pt idx="1">
+                  <c:v>0.0154905092363575</c:v>
+                </c:pt>
+                <c:pt idx="2">
+                  <c:v>0.0101811755048707</c:v>
+                </c:pt>
+                <c:pt idx="3">
+                  <c:v>0.0117636462604214</c:v>
+                </c:pt>
+                <c:pt idx="4">
+                  <c:v>0.0118882781577365</c:v>
+                </c:pt>
+                <c:pt idx="5">
+                  <c:v>0.0754495838087909</c:v>
+                </c:pt>
+                <c:pt idx="6">
+                  <c:v>0.0258519931102362</c:v>
+                </c:pt>
+                <c:pt idx="7">
+                  <c:v>0.0102307169591526</c:v>
+                </c:pt>
+                <c:pt idx="8">
+                  <c:v>0.0189218380432851</c:v>
+                </c:pt>
+                <c:pt idx="9">
+                  <c:v>0.0169938255579009</c:v>
+                </c:pt>
+                <c:pt idx="10">
+                  <c:v>0.0203437568929535</c:v>
+                </c:pt>
+                <c:pt idx="11">
+                  <c:v>0.0161857976713654</c:v>
+                </c:pt>
+                <c:pt idx="12">
+                  <c:v>0.00407380602415931</c:v>
+                </c:pt>
+                <c:pt idx="13">
+                  <c:v>0.00767689951147003</c:v>
+                </c:pt>
+                <c:pt idx="14">
+                  <c:v>0.0264961646540594</c:v>
+                </c:pt>
+                <c:pt idx="15">
+                  <c:v>0.0290626829010871</c:v>
+                </c:pt>
+                <c:pt idx="16">
+                  <c:v>0.0469096145325653</c:v>
+                </c:pt>
+                <c:pt idx="17">
+                  <c:v>0.00959666611232306</c:v>
+                </c:pt>
+                <c:pt idx="18">
+                  <c:v>0.044962485872629</c:v>
+                </c:pt>
+                <c:pt idx="19">
+                  <c:v>0.0115875519862326</c:v>
+                </c:pt>
+                <c:pt idx="20">
+                  <c:v>0.0130486358244365</c:v>
+                </c:pt>
+                <c:pt idx="21">
+                  <c:v>0.0555799263028601</c:v>
+                </c:pt>
+                <c:pt idx="22">
+                  <c:v>0.021499626958468</c:v>
+                </c:pt>
+                <c:pt idx="23">
+                  <c:v>0.0</c:v>
+                </c:pt>
+              </c:numCache>
+            </c:numRef>
+          </c:val>
+        </c:ser>
+        <c:dLbls>
+          <c:showLegendKey val="0"/>
+          <c:showVal val="0"/>
+          <c:showCatName val="0"/>
+          <c:showSerName val="0"/>
+          <c:showPercent val="0"/>
+          <c:showBubbleSize val="0"/>
+        </c:dLbls>
+        <c:gapWidth val="150"/>
+        <c:axId val="-2078311448"/>
+        <c:axId val="2121943864"/>
+      </c:barChart>
+      <c:catAx>
+        <c:axId val="-2078311448"/>
+        <c:scaling>
+          <c:orientation val="minMax"/>
+        </c:scaling>
+        <c:delete val="0"/>
+        <c:axPos val="b"/>
+        <c:majorTickMark val="out"/>
+        <c:minorTickMark val="none"/>
+        <c:tickLblPos val="nextTo"/>
+        <c:crossAx val="2121943864"/>
+        <c:crosses val="autoZero"/>
+        <c:auto val="1"/>
+        <c:lblAlgn val="ctr"/>
+        <c:lblOffset val="100"/>
+        <c:noMultiLvlLbl val="0"/>
+      </c:catAx>
+      <c:valAx>
+        <c:axId val="2121943864"/>
+        <c:scaling>
+          <c:orientation val="minMax"/>
+        </c:scaling>
+        <c:delete val="0"/>
+        <c:axPos val="l"/>
+        <c:majorGridlines/>
+        <c:numFmt formatCode="General" sourceLinked="1"/>
+        <c:majorTickMark val="out"/>
+        <c:minorTickMark val="none"/>
+        <c:tickLblPos val="nextTo"/>
+        <c:crossAx val="-2078311448"/>
+        <c:crosses val="autoZero"/>
+        <c:crossBetween val="between"/>
+      </c:valAx>
+    </c:plotArea>
+    <c:legend>
+      <c:legendPos val="r"/>
+      <c:layout/>
+      <c:overlay val="0"/>
+    </c:legend>
+    <c:plotVisOnly val="1"/>
+    <c:dispBlanksAs val="gap"/>
+    <c:showDLblsOverMax val="0"/>
+  </c:chart>
+  <c:externalData r:id="rId1">
+    <c:autoUpdate val="0"/>
+  </c:externalData>
+</c:chartSpace>
+</file>
+
+<file path=ppt/charts/chart5.xml><?xml version="1.0" encoding="utf-8"?>
+<c:chartSpace xmlns:c="http://schemas.openxmlformats.org/drawingml/2006/chart" xmlns:a="http://schemas.openxmlformats.org/drawingml/2006/main" xmlns:r="http://schemas.openxmlformats.org/officeDocument/2006/relationships">
+  <c:date1904 val="0"/>
+  <c:lang val="en-US"/>
+  <c:roundedCorners val="0"/>
+  <mc:AlternateContent xmlns:mc="http://schemas.openxmlformats.org/markup-compatibility/2006">
+    <mc:Choice xmlns:c14="http://schemas.microsoft.com/office/drawing/2007/8/2/chart" Requires="c14">
+      <c14:style val="118"/>
+    </mc:Choice>
+    <mc:Fallback>
+      <c:style val="18"/>
+    </mc:Fallback>
+  </mc:AlternateContent>
+  <c:chart>
+    <c:title>
+      <c:layout/>
+      <c:overlay val="0"/>
+    </c:title>
+    <c:autoTitleDeleted val="0"/>
+    <c:plotArea>
+      <c:layout/>
+      <c:barChart>
+        <c:barDir val="col"/>
+        <c:grouping val="clustered"/>
+        <c:varyColors val="0"/>
+        <c:ser>
+          <c:idx val="0"/>
+          <c:order val="0"/>
+          <c:tx>
+            <c:strRef>
+              <c:f>Sheet1!$G$1</c:f>
+              <c:strCache>
+                <c:ptCount val="1"/>
+                <c:pt idx="0">
+                  <c:v>Brain Cortex</c:v>
+                </c:pt>
+              </c:strCache>
+            </c:strRef>
+          </c:tx>
+          <c:invertIfNegative val="0"/>
+          <c:cat>
+            <c:strRef>
+              <c:f>Sheet1!$A$2:$A$25</c:f>
+              <c:strCache>
+                <c:ptCount val="24"/>
+                <c:pt idx="0">
+                  <c:v>1</c:v>
+                </c:pt>
+                <c:pt idx="1">
+                  <c:v>2</c:v>
+                </c:pt>
+                <c:pt idx="2">
+                  <c:v>3</c:v>
+                </c:pt>
+                <c:pt idx="3">
+                  <c:v>4</c:v>
+                </c:pt>
+                <c:pt idx="4">
+                  <c:v>5</c:v>
+                </c:pt>
+                <c:pt idx="5">
+                  <c:v>6</c:v>
+                </c:pt>
+                <c:pt idx="6">
+                  <c:v>7</c:v>
+                </c:pt>
+                <c:pt idx="7">
+                  <c:v>8</c:v>
+                </c:pt>
+                <c:pt idx="8">
+                  <c:v>9</c:v>
+                </c:pt>
+                <c:pt idx="9">
+                  <c:v>10</c:v>
+                </c:pt>
+                <c:pt idx="10">
+                  <c:v>11</c:v>
+                </c:pt>
+                <c:pt idx="11">
+                  <c:v>12</c:v>
+                </c:pt>
+                <c:pt idx="12">
+                  <c:v>13</c:v>
+                </c:pt>
+                <c:pt idx="13">
+                  <c:v>14</c:v>
+                </c:pt>
+                <c:pt idx="14">
+                  <c:v>15</c:v>
+                </c:pt>
+                <c:pt idx="15">
+                  <c:v>16</c:v>
+                </c:pt>
+                <c:pt idx="16">
+                  <c:v>17</c:v>
+                </c:pt>
+                <c:pt idx="17">
+                  <c:v>18</c:v>
+                </c:pt>
+                <c:pt idx="18">
+                  <c:v>19</c:v>
+                </c:pt>
+                <c:pt idx="19">
+                  <c:v>20</c:v>
+                </c:pt>
+                <c:pt idx="20">
+                  <c:v>21</c:v>
+                </c:pt>
+                <c:pt idx="21">
+                  <c:v>22</c:v>
+                </c:pt>
+                <c:pt idx="22">
+                  <c:v>x</c:v>
+                </c:pt>
+                <c:pt idx="23">
+                  <c:v>y</c:v>
+                </c:pt>
+              </c:strCache>
+            </c:strRef>
+          </c:cat>
+          <c:val>
+            <c:numRef>
+              <c:f>Sheet1!$G$2:$G$25</c:f>
+              <c:numCache>
+                <c:formatCode>General</c:formatCode>
+                <c:ptCount val="24"/>
+                <c:pt idx="0">
+                  <c:v>7367.0</c:v>
+                </c:pt>
+                <c:pt idx="1">
+                  <c:v>7660.0</c:v>
+                </c:pt>
+                <c:pt idx="2">
+                  <c:v>5673.0</c:v>
+                </c:pt>
+                <c:pt idx="3">
+                  <c:v>3805.0</c:v>
+                </c:pt>
+                <c:pt idx="4">
+                  <c:v>4271.0</c:v>
+                </c:pt>
+                <c:pt idx="5">
+                  <c:v>26798.0</c:v>
+                </c:pt>
+                <c:pt idx="6">
+                  <c:v>9405.0</c:v>
+                </c:pt>
+                <c:pt idx="7">
+                  <c:v>4383.0</c:v>
+                </c:pt>
+                <c:pt idx="8">
+                  <c:v>3965.0</c:v>
+                </c:pt>
+                <c:pt idx="9">
+                  <c:v>4707.0</c:v>
+                </c:pt>
+                <c:pt idx="10">
+                  <c:v>7062.0</c:v>
+                </c:pt>
+                <c:pt idx="11">
+                  <c:v>3557.0</c:v>
+                </c:pt>
+                <c:pt idx="12">
+                  <c:v>2273.0</c:v>
+                </c:pt>
+                <c:pt idx="13">
+                  <c:v>1859.0</c:v>
+                </c:pt>
+                <c:pt idx="14">
+                  <c:v>3958.0</c:v>
+                </c:pt>
+                <c:pt idx="15">
+                  <c:v>4989.0</c:v>
+                </c:pt>
+                <c:pt idx="16">
+                  <c:v>6579.0</c:v>
+                </c:pt>
+                <c:pt idx="17">
+                  <c:v>1354.0</c:v>
+                </c:pt>
+                <c:pt idx="18">
+                  <c:v>5140.0</c:v>
+                </c:pt>
+                <c:pt idx="19">
+                  <c:v>2978.0</c:v>
+                </c:pt>
+                <c:pt idx="20">
+                  <c:v>1409.0</c:v>
+                </c:pt>
+                <c:pt idx="21">
+                  <c:v>3647.0</c:v>
+                </c:pt>
+                <c:pt idx="22">
+                  <c:v>2533.0</c:v>
+                </c:pt>
+                <c:pt idx="23">
+                  <c:v>0.0</c:v>
+                </c:pt>
+              </c:numCache>
+            </c:numRef>
+          </c:val>
+        </c:ser>
+        <c:dLbls>
+          <c:showLegendKey val="0"/>
+          <c:showVal val="0"/>
+          <c:showCatName val="0"/>
+          <c:showSerName val="0"/>
+          <c:showPercent val="0"/>
+          <c:showBubbleSize val="0"/>
+        </c:dLbls>
+        <c:gapWidth val="150"/>
+        <c:axId val="-2075866472"/>
+        <c:axId val="-2075863416"/>
+      </c:barChart>
+      <c:catAx>
+        <c:axId val="-2075866472"/>
+        <c:scaling>
+          <c:orientation val="minMax"/>
+        </c:scaling>
+        <c:delete val="0"/>
+        <c:axPos val="b"/>
+        <c:majorTickMark val="out"/>
+        <c:minorTickMark val="none"/>
+        <c:tickLblPos val="nextTo"/>
+        <c:crossAx val="-2075863416"/>
+        <c:crosses val="autoZero"/>
+        <c:auto val="1"/>
+        <c:lblAlgn val="ctr"/>
+        <c:lblOffset val="100"/>
+        <c:noMultiLvlLbl val="0"/>
+      </c:catAx>
+      <c:valAx>
+        <c:axId val="-2075863416"/>
+        <c:scaling>
+          <c:orientation val="minMax"/>
+        </c:scaling>
+        <c:delete val="0"/>
+        <c:axPos val="l"/>
+        <c:majorGridlines/>
+        <c:numFmt formatCode="General" sourceLinked="1"/>
+        <c:majorTickMark val="out"/>
+        <c:minorTickMark val="none"/>
+        <c:tickLblPos val="nextTo"/>
+        <c:crossAx val="-2075866472"/>
+        <c:crosses val="autoZero"/>
+        <c:crossBetween val="between"/>
+      </c:valAx>
+    </c:plotArea>
+    <c:legend>
+      <c:legendPos val="r"/>
+      <c:layout/>
+      <c:overlay val="0"/>
+    </c:legend>
+    <c:plotVisOnly val="1"/>
+    <c:dispBlanksAs val="gap"/>
+    <c:showDLblsOverMax val="0"/>
+  </c:chart>
+  <c:externalData r:id="rId1">
+    <c:autoUpdate val="0"/>
+  </c:externalData>
+</c:chartSpace>
+</file>
+
+<file path=ppt/charts/chart6.xml><?xml version="1.0" encoding="utf-8"?>
+<c:chartSpace xmlns:c="http://schemas.openxmlformats.org/drawingml/2006/chart" xmlns:a="http://schemas.openxmlformats.org/drawingml/2006/main" xmlns:r="http://schemas.openxmlformats.org/officeDocument/2006/relationships">
+  <c:date1904 val="0"/>
+  <c:lang val="en-US"/>
+  <c:roundedCorners val="0"/>
+  <mc:AlternateContent xmlns:mc="http://schemas.openxmlformats.org/markup-compatibility/2006">
+    <mc:Choice xmlns:c14="http://schemas.microsoft.com/office/drawing/2007/8/2/chart" Requires="c14">
+      <c14:style val="118"/>
+    </mc:Choice>
+    <mc:Fallback>
+      <c:style val="18"/>
+    </mc:Fallback>
+  </mc:AlternateContent>
+  <c:chart>
+    <c:title>
+      <c:tx>
+        <c:rich>
+          <a:bodyPr/>
+          <a:lstStyle/>
+          <a:p>
+            <a:pPr>
+              <a:defRPr/>
+            </a:pPr>
+            <a:r>
+              <a:rPr lang="en-US" dirty="0" smtClean="0"/>
+              <a:t>Brain normalized to SNP number</a:t>
+            </a:r>
+            <a:endParaRPr lang="en-US" dirty="0"/>
+          </a:p>
+        </c:rich>
+      </c:tx>
+      <c:layout/>
+      <c:overlay val="0"/>
+    </c:title>
+    <c:autoTitleDeleted val="0"/>
+    <c:plotArea>
+      <c:layout/>
+      <c:barChart>
+        <c:barDir val="col"/>
+        <c:grouping val="clustered"/>
+        <c:varyColors val="0"/>
+        <c:ser>
+          <c:idx val="0"/>
+          <c:order val="0"/>
+          <c:tx>
+            <c:strRef>
+              <c:f>Sheet1!$H$1</c:f>
+              <c:strCache>
+                <c:ptCount val="1"/>
+                <c:pt idx="0">
+                  <c:v>Normalized Brain</c:v>
+                </c:pt>
+              </c:strCache>
+            </c:strRef>
+          </c:tx>
+          <c:invertIfNegative val="0"/>
+          <c:cat>
+            <c:strRef>
+              <c:f>Sheet1!$A$2:$A$25</c:f>
+              <c:strCache>
+                <c:ptCount val="24"/>
+                <c:pt idx="0">
+                  <c:v>1</c:v>
+                </c:pt>
+                <c:pt idx="1">
+                  <c:v>2</c:v>
+                </c:pt>
+                <c:pt idx="2">
+                  <c:v>3</c:v>
+                </c:pt>
+                <c:pt idx="3">
+                  <c:v>4</c:v>
+                </c:pt>
+                <c:pt idx="4">
+                  <c:v>5</c:v>
+                </c:pt>
+                <c:pt idx="5">
+                  <c:v>6</c:v>
+                </c:pt>
+                <c:pt idx="6">
+                  <c:v>7</c:v>
+                </c:pt>
+                <c:pt idx="7">
+                  <c:v>8</c:v>
+                </c:pt>
+                <c:pt idx="8">
+                  <c:v>9</c:v>
+                </c:pt>
+                <c:pt idx="9">
+                  <c:v>10</c:v>
+                </c:pt>
+                <c:pt idx="10">
+                  <c:v>11</c:v>
+                </c:pt>
+                <c:pt idx="11">
+                  <c:v>12</c:v>
+                </c:pt>
+                <c:pt idx="12">
+                  <c:v>13</c:v>
+                </c:pt>
+                <c:pt idx="13">
+                  <c:v>14</c:v>
+                </c:pt>
+                <c:pt idx="14">
+                  <c:v>15</c:v>
+                </c:pt>
+                <c:pt idx="15">
+                  <c:v>16</c:v>
+                </c:pt>
+                <c:pt idx="16">
+                  <c:v>17</c:v>
+                </c:pt>
+                <c:pt idx="17">
+                  <c:v>18</c:v>
+                </c:pt>
+                <c:pt idx="18">
+                  <c:v>19</c:v>
+                </c:pt>
+                <c:pt idx="19">
+                  <c:v>20</c:v>
+                </c:pt>
+                <c:pt idx="20">
+                  <c:v>21</c:v>
+                </c:pt>
+                <c:pt idx="21">
+                  <c:v>22</c:v>
+                </c:pt>
+                <c:pt idx="22">
+                  <c:v>x</c:v>
+                </c:pt>
+                <c:pt idx="23">
+                  <c:v>y</c:v>
+                </c:pt>
+              </c:strCache>
+            </c:strRef>
+          </c:cat>
+          <c:val>
+            <c:numRef>
+              <c:f>Sheet1!$H$2:$H$25</c:f>
+              <c:numCache>
+                <c:formatCode>General</c:formatCode>
+                <c:ptCount val="24"/>
+                <c:pt idx="0">
+                  <c:v>0.0276180336349936</c:v>
+                </c:pt>
+                <c:pt idx="1">
+                  <c:v>0.0270659901346939</c:v>
+                </c:pt>
+                <c:pt idx="2">
+                  <c:v>0.0237588682184827</c:v>
+                </c:pt>
+                <c:pt idx="3">
+                  <c:v>0.0149003575302608</c:v>
+                </c:pt>
+                <c:pt idx="4">
+                  <c:v>0.0199117003967421</c:v>
+                </c:pt>
+                <c:pt idx="5">
+                  <c:v>0.118523825951579</c:v>
+                </c:pt>
+                <c:pt idx="6">
+                  <c:v>0.048212967519685</c:v>
+                </c:pt>
+                <c:pt idx="7">
+                  <c:v>0.0236379717617111</c:v>
+                </c:pt>
+                <c:pt idx="8">
+                  <c:v>0.0271044392491421</c:v>
+                </c:pt>
+                <c:pt idx="9">
+                  <c:v>0.0265659039857322</c:v>
+                </c:pt>
+                <c:pt idx="10">
+                  <c:v>0.039940953899927</c:v>
+                </c:pt>
+                <c:pt idx="11">
+                  <c:v>0.0219241745304824</c:v>
+                </c:pt>
+                <c:pt idx="12">
+                  <c:v>0.0169592694009416</c:v>
+                </c:pt>
+                <c:pt idx="13">
+                  <c:v>0.0168492989277719</c:v>
+                </c:pt>
+                <c:pt idx="14">
+                  <c:v>0.0375749981013139</c:v>
+                </c:pt>
+                <c:pt idx="15">
+                  <c:v>0.0478685127083273</c:v>
+                </c:pt>
+                <c:pt idx="16">
+                  <c:v>0.0728732831191847</c:v>
+                </c:pt>
+                <c:pt idx="17">
+                  <c:v>0.0132455513925437</c:v>
+                </c:pt>
+                <c:pt idx="18">
+                  <c:v>0.0699900597775024</c:v>
+                </c:pt>
+                <c:pt idx="19">
+                  <c:v>0.0427075864047039</c:v>
+                </c:pt>
+                <c:pt idx="20">
+                  <c:v>0.0283290105957336</c:v>
+                </c:pt>
+                <c:pt idx="21">
+                  <c:v>0.0799921038778733</c:v>
+                </c:pt>
+                <c:pt idx="22">
+                  <c:v>0.0314971400149217</c:v>
+                </c:pt>
+                <c:pt idx="23">
+                  <c:v>0.0</c:v>
+                </c:pt>
+              </c:numCache>
+            </c:numRef>
+          </c:val>
+        </c:ser>
+        <c:dLbls>
+          <c:showLegendKey val="0"/>
+          <c:showVal val="0"/>
+          <c:showCatName val="0"/>
+          <c:showSerName val="0"/>
+          <c:showPercent val="0"/>
+          <c:showBubbleSize val="0"/>
+        </c:dLbls>
+        <c:gapWidth val="150"/>
+        <c:axId val="-2073225848"/>
+        <c:axId val="-2073222968"/>
+      </c:barChart>
+      <c:catAx>
+        <c:axId val="-2073225848"/>
+        <c:scaling>
+          <c:orientation val="minMax"/>
+        </c:scaling>
+        <c:delete val="0"/>
+        <c:axPos val="b"/>
+        <c:majorTickMark val="out"/>
+        <c:minorTickMark val="none"/>
+        <c:tickLblPos val="nextTo"/>
+        <c:crossAx val="-2073222968"/>
+        <c:crosses val="autoZero"/>
+        <c:auto val="1"/>
+        <c:lblAlgn val="ctr"/>
+        <c:lblOffset val="100"/>
+        <c:noMultiLvlLbl val="0"/>
+      </c:catAx>
+      <c:valAx>
+        <c:axId val="-2073222968"/>
+        <c:scaling>
+          <c:orientation val="minMax"/>
+        </c:scaling>
+        <c:delete val="0"/>
+        <c:axPos val="l"/>
+        <c:majorGridlines/>
+        <c:numFmt formatCode="General" sourceLinked="1"/>
+        <c:majorTickMark val="out"/>
+        <c:minorTickMark val="none"/>
+        <c:tickLblPos val="nextTo"/>
+        <c:crossAx val="-2073225848"/>
+        <c:crosses val="autoZero"/>
+        <c:crossBetween val="between"/>
+      </c:valAx>
+    </c:plotArea>
+    <c:legend>
+      <c:legendPos val="r"/>
+      <c:layout/>
+      <c:overlay val="0"/>
+    </c:legend>
+    <c:plotVisOnly val="1"/>
+    <c:dispBlanksAs val="gap"/>
+    <c:showDLblsOverMax val="0"/>
+  </c:chart>
+  <c:externalData r:id="rId1">
+    <c:autoUpdate val="0"/>
+  </c:externalData>
+</c:chartSpace>
 </file>
 
 <file path=ppt/slideLayouts/slideLayout1.xml><?xml version="1.0" encoding="utf-8"?>
@@ -3180,6 +4820,889 @@
 </p:sld>
 </file>
 
+<file path=ppt/slides/slide10.xml><?xml version="1.0" encoding="utf-8"?>
+<p:sld xmlns:a="http://schemas.openxmlformats.org/drawingml/2006/main" xmlns:r="http://schemas.openxmlformats.org/officeDocument/2006/relationships" xmlns:p="http://schemas.openxmlformats.org/presentationml/2006/main">
+  <p:cSld>
+    <p:spTree>
+      <p:nvGrpSpPr>
+        <p:cNvPr id="1" name=""/>
+        <p:cNvGrpSpPr/>
+        <p:nvPr/>
+      </p:nvGrpSpPr>
+      <p:grpSpPr>
+        <a:xfrm>
+          <a:off x="0" y="0"/>
+          <a:ext cx="0" cy="0"/>
+          <a:chOff x="0" y="0"/>
+          <a:chExt cx="0" cy="0"/>
+        </a:xfrm>
+      </p:grpSpPr>
+      <p:sp>
+        <p:nvSpPr>
+          <p:cNvPr id="2" name="Title 1"/>
+          <p:cNvSpPr>
+            <a:spLocks noGrp="1"/>
+          </p:cNvSpPr>
+          <p:nvPr>
+            <p:ph type="title"/>
+          </p:nvPr>
+        </p:nvSpPr>
+        <p:spPr/>
+        <p:txBody>
+          <a:bodyPr/>
+          <a:lstStyle/>
+          <a:p>
+            <a:r>
+              <a:rPr lang="en-US" sz="4000" dirty="0" err="1" smtClean="0"/>
+              <a:t>eQTLs</a:t>
+            </a:r>
+            <a:r>
+              <a:rPr lang="en-US" sz="4000" dirty="0" smtClean="0"/>
+              <a:t> identified in different tissues</a:t>
+            </a:r>
+            <a:endParaRPr lang="en-US" sz="4000" dirty="0"/>
+          </a:p>
+        </p:txBody>
+      </p:sp>
+      <p:pic>
+        <p:nvPicPr>
+          <p:cNvPr id="4" name="Picture 3"/>
+          <p:cNvPicPr/>
+          <p:nvPr/>
+        </p:nvPicPr>
+        <p:blipFill>
+          <a:blip r:embed="rId2">
+            <a:extLst>
+              <a:ext uri="{28A0092B-C50C-407E-A947-70E740481C1C}">
+                <a14:useLocalDpi xmlns:a14="http://schemas.microsoft.com/office/drawing/2010/main" val="0"/>
+              </a:ext>
+            </a:extLst>
+          </a:blip>
+          <a:srcRect/>
+          <a:stretch>
+            <a:fillRect/>
+          </a:stretch>
+        </p:blipFill>
+        <p:spPr bwMode="auto">
+          <a:xfrm>
+            <a:off x="457200" y="1856011"/>
+            <a:ext cx="7620000" cy="4708728"/>
+          </a:xfrm>
+          <a:prstGeom prst="rect">
+            <a:avLst/>
+          </a:prstGeom>
+          <a:noFill/>
+          <a:ln>
+            <a:noFill/>
+          </a:ln>
+        </p:spPr>
+      </p:pic>
+    </p:spTree>
+    <p:extLst>
+      <p:ext uri="{BB962C8B-B14F-4D97-AF65-F5344CB8AC3E}">
+        <p14:creationId xmlns:p14="http://schemas.microsoft.com/office/powerpoint/2010/main" val="1179731837"/>
+      </p:ext>
+    </p:extLst>
+  </p:cSld>
+  <p:clrMapOvr>
+    <a:masterClrMapping/>
+  </p:clrMapOvr>
+</p:sld>
+</file>
+
+<file path=ppt/slides/slide11.xml><?xml version="1.0" encoding="utf-8"?>
+<p:sld xmlns:a="http://schemas.openxmlformats.org/drawingml/2006/main" xmlns:r="http://schemas.openxmlformats.org/officeDocument/2006/relationships" xmlns:p="http://schemas.openxmlformats.org/presentationml/2006/main">
+  <p:cSld>
+    <p:spTree>
+      <p:nvGrpSpPr>
+        <p:cNvPr id="1" name=""/>
+        <p:cNvGrpSpPr/>
+        <p:nvPr/>
+      </p:nvGrpSpPr>
+      <p:grpSpPr>
+        <a:xfrm>
+          <a:off x="0" y="0"/>
+          <a:ext cx="0" cy="0"/>
+          <a:chOff x="0" y="0"/>
+          <a:chExt cx="0" cy="0"/>
+        </a:xfrm>
+      </p:grpSpPr>
+      <p:sp>
+        <p:nvSpPr>
+          <p:cNvPr id="2" name="Title 1"/>
+          <p:cNvSpPr>
+            <a:spLocks noGrp="1"/>
+          </p:cNvSpPr>
+          <p:nvPr>
+            <p:ph type="title"/>
+          </p:nvPr>
+        </p:nvSpPr>
+        <p:spPr/>
+        <p:txBody>
+          <a:bodyPr/>
+          <a:lstStyle/>
+          <a:p>
+            <a:r>
+              <a:rPr lang="en-US" sz="4000" dirty="0" err="1" smtClean="0"/>
+              <a:t>eQTL</a:t>
+            </a:r>
+            <a:r>
+              <a:rPr lang="en-US" sz="4000" dirty="0" smtClean="0"/>
+              <a:t> Chromosome </a:t>
+            </a:r>
+            <a:r>
+              <a:rPr lang="en-US" sz="4000" dirty="0"/>
+              <a:t>D</a:t>
+            </a:r>
+            <a:r>
+              <a:rPr lang="en-US" sz="4000" dirty="0" smtClean="0"/>
+              <a:t>istribution </a:t>
+            </a:r>
+            <a:endParaRPr lang="en-US" sz="4000" dirty="0"/>
+          </a:p>
+        </p:txBody>
+      </p:sp>
+      <p:graphicFrame>
+        <p:nvGraphicFramePr>
+          <p:cNvPr id="5" name="Chart 4"/>
+          <p:cNvGraphicFramePr>
+            <a:graphicFrameLocks/>
+          </p:cNvGraphicFramePr>
+          <p:nvPr>
+            <p:extLst>
+              <p:ext uri="{D42A27DB-BD31-4B8C-83A1-F6EECF244321}">
+                <p14:modId xmlns:p14="http://schemas.microsoft.com/office/powerpoint/2010/main" val="4072578378"/>
+              </p:ext>
+            </p:extLst>
+          </p:nvPr>
+        </p:nvGraphicFramePr>
+        <p:xfrm>
+          <a:off x="861117" y="1494853"/>
+          <a:ext cx="6609083" cy="4356674"/>
+        </p:xfrm>
+        <a:graphic>
+          <a:graphicData uri="http://schemas.openxmlformats.org/drawingml/2006/chart">
+            <c:chart xmlns:c="http://schemas.openxmlformats.org/drawingml/2006/chart" xmlns:r="http://schemas.openxmlformats.org/officeDocument/2006/relationships" r:id="rId2"/>
+          </a:graphicData>
+        </a:graphic>
+      </p:graphicFrame>
+    </p:spTree>
+    <p:extLst>
+      <p:ext uri="{BB962C8B-B14F-4D97-AF65-F5344CB8AC3E}">
+        <p14:creationId xmlns:p14="http://schemas.microsoft.com/office/powerpoint/2010/main" val="2807457368"/>
+      </p:ext>
+    </p:extLst>
+  </p:cSld>
+  <p:clrMapOvr>
+    <a:masterClrMapping/>
+  </p:clrMapOvr>
+</p:sld>
+</file>
+
+<file path=ppt/slides/slide12.xml><?xml version="1.0" encoding="utf-8"?>
+<p:sld xmlns:a="http://schemas.openxmlformats.org/drawingml/2006/main" xmlns:r="http://schemas.openxmlformats.org/officeDocument/2006/relationships" xmlns:p="http://schemas.openxmlformats.org/presentationml/2006/main">
+  <p:cSld>
+    <p:spTree>
+      <p:nvGrpSpPr>
+        <p:cNvPr id="1" name=""/>
+        <p:cNvGrpSpPr/>
+        <p:nvPr/>
+      </p:nvGrpSpPr>
+      <p:grpSpPr>
+        <a:xfrm>
+          <a:off x="0" y="0"/>
+          <a:ext cx="0" cy="0"/>
+          <a:chOff x="0" y="0"/>
+          <a:chExt cx="0" cy="0"/>
+        </a:xfrm>
+      </p:grpSpPr>
+      <p:sp>
+        <p:nvSpPr>
+          <p:cNvPr id="2" name="Title 1"/>
+          <p:cNvSpPr>
+            <a:spLocks noGrp="1"/>
+          </p:cNvSpPr>
+          <p:nvPr>
+            <p:ph type="title"/>
+          </p:nvPr>
+        </p:nvSpPr>
+        <p:spPr/>
+        <p:txBody>
+          <a:bodyPr/>
+          <a:lstStyle/>
+          <a:p>
+            <a:r>
+              <a:rPr lang="en-US" sz="4000" dirty="0" err="1" smtClean="0"/>
+              <a:t>eQTL</a:t>
+            </a:r>
+            <a:r>
+              <a:rPr lang="en-US" sz="4000" dirty="0" smtClean="0"/>
+              <a:t> Chromosome </a:t>
+            </a:r>
+            <a:r>
+              <a:rPr lang="en-US" sz="4000" dirty="0"/>
+              <a:t>D</a:t>
+            </a:r>
+            <a:r>
+              <a:rPr lang="en-US" sz="4000" dirty="0" smtClean="0"/>
+              <a:t>istribution </a:t>
+            </a:r>
+            <a:endParaRPr lang="en-US" sz="4000" dirty="0"/>
+          </a:p>
+        </p:txBody>
+      </p:sp>
+      <p:graphicFrame>
+        <p:nvGraphicFramePr>
+          <p:cNvPr id="4" name="Chart 3"/>
+          <p:cNvGraphicFramePr>
+            <a:graphicFrameLocks/>
+          </p:cNvGraphicFramePr>
+          <p:nvPr>
+            <p:extLst>
+              <p:ext uri="{D42A27DB-BD31-4B8C-83A1-F6EECF244321}">
+                <p14:modId xmlns:p14="http://schemas.microsoft.com/office/powerpoint/2010/main" val="2136280366"/>
+              </p:ext>
+            </p:extLst>
+          </p:nvPr>
+        </p:nvGraphicFramePr>
+        <p:xfrm>
+          <a:off x="710423" y="1498599"/>
+          <a:ext cx="6719077" cy="4549569"/>
+        </p:xfrm>
+        <a:graphic>
+          <a:graphicData uri="http://schemas.openxmlformats.org/drawingml/2006/chart">
+            <c:chart xmlns:c="http://schemas.openxmlformats.org/drawingml/2006/chart" xmlns:r="http://schemas.openxmlformats.org/officeDocument/2006/relationships" r:id="rId2"/>
+          </a:graphicData>
+        </a:graphic>
+      </p:graphicFrame>
+    </p:spTree>
+    <p:extLst>
+      <p:ext uri="{BB962C8B-B14F-4D97-AF65-F5344CB8AC3E}">
+        <p14:creationId xmlns:p14="http://schemas.microsoft.com/office/powerpoint/2010/main" val="3859794826"/>
+      </p:ext>
+    </p:extLst>
+  </p:cSld>
+  <p:clrMapOvr>
+    <a:masterClrMapping/>
+  </p:clrMapOvr>
+</p:sld>
+</file>
+
+<file path=ppt/slides/slide13.xml><?xml version="1.0" encoding="utf-8"?>
+<p:sld xmlns:a="http://schemas.openxmlformats.org/drawingml/2006/main" xmlns:r="http://schemas.openxmlformats.org/officeDocument/2006/relationships" xmlns:p="http://schemas.openxmlformats.org/presentationml/2006/main">
+  <p:cSld>
+    <p:spTree>
+      <p:nvGrpSpPr>
+        <p:cNvPr id="1" name=""/>
+        <p:cNvGrpSpPr/>
+        <p:nvPr/>
+      </p:nvGrpSpPr>
+      <p:grpSpPr>
+        <a:xfrm>
+          <a:off x="0" y="0"/>
+          <a:ext cx="0" cy="0"/>
+          <a:chOff x="0" y="0"/>
+          <a:chExt cx="0" cy="0"/>
+        </a:xfrm>
+      </p:grpSpPr>
+      <p:sp>
+        <p:nvSpPr>
+          <p:cNvPr id="2" name="Title 1"/>
+          <p:cNvSpPr>
+            <a:spLocks noGrp="1"/>
+          </p:cNvSpPr>
+          <p:nvPr>
+            <p:ph type="title"/>
+          </p:nvPr>
+        </p:nvSpPr>
+        <p:spPr/>
+        <p:txBody>
+          <a:bodyPr/>
+          <a:lstStyle/>
+          <a:p>
+            <a:r>
+              <a:rPr lang="en-US" sz="4000" dirty="0" err="1" smtClean="0"/>
+              <a:t>eQTL</a:t>
+            </a:r>
+            <a:r>
+              <a:rPr lang="en-US" sz="4000" dirty="0" smtClean="0"/>
+              <a:t> Chromosome </a:t>
+            </a:r>
+            <a:r>
+              <a:rPr lang="en-US" sz="4000" dirty="0"/>
+              <a:t>D</a:t>
+            </a:r>
+            <a:r>
+              <a:rPr lang="en-US" sz="4000" dirty="0" smtClean="0"/>
+              <a:t>istribution </a:t>
+            </a:r>
+            <a:endParaRPr lang="en-US" sz="4000" dirty="0"/>
+          </a:p>
+        </p:txBody>
+      </p:sp>
+      <p:graphicFrame>
+        <p:nvGraphicFramePr>
+          <p:cNvPr id="5" name="Chart 4"/>
+          <p:cNvGraphicFramePr>
+            <a:graphicFrameLocks/>
+          </p:cNvGraphicFramePr>
+          <p:nvPr>
+            <p:extLst>
+              <p:ext uri="{D42A27DB-BD31-4B8C-83A1-F6EECF244321}">
+                <p14:modId xmlns:p14="http://schemas.microsoft.com/office/powerpoint/2010/main" val="3476544522"/>
+              </p:ext>
+            </p:extLst>
+          </p:nvPr>
+        </p:nvGraphicFramePr>
+        <p:xfrm>
+          <a:off x="968757" y="1506661"/>
+          <a:ext cx="6264635" cy="4649126"/>
+        </p:xfrm>
+        <a:graphic>
+          <a:graphicData uri="http://schemas.openxmlformats.org/drawingml/2006/chart">
+            <c:chart xmlns:c="http://schemas.openxmlformats.org/drawingml/2006/chart" xmlns:r="http://schemas.openxmlformats.org/officeDocument/2006/relationships" r:id="rId2"/>
+          </a:graphicData>
+        </a:graphic>
+      </p:graphicFrame>
+    </p:spTree>
+    <p:extLst>
+      <p:ext uri="{BB962C8B-B14F-4D97-AF65-F5344CB8AC3E}">
+        <p14:creationId xmlns:p14="http://schemas.microsoft.com/office/powerpoint/2010/main" val="1684352583"/>
+      </p:ext>
+    </p:extLst>
+  </p:cSld>
+  <p:clrMapOvr>
+    <a:masterClrMapping/>
+  </p:clrMapOvr>
+</p:sld>
+</file>
+
+<file path=ppt/slides/slide14.xml><?xml version="1.0" encoding="utf-8"?>
+<p:sld xmlns:a="http://schemas.openxmlformats.org/drawingml/2006/main" xmlns:r="http://schemas.openxmlformats.org/officeDocument/2006/relationships" xmlns:p="http://schemas.openxmlformats.org/presentationml/2006/main">
+  <p:cSld>
+    <p:spTree>
+      <p:nvGrpSpPr>
+        <p:cNvPr id="1" name=""/>
+        <p:cNvGrpSpPr/>
+        <p:nvPr/>
+      </p:nvGrpSpPr>
+      <p:grpSpPr>
+        <a:xfrm>
+          <a:off x="0" y="0"/>
+          <a:ext cx="0" cy="0"/>
+          <a:chOff x="0" y="0"/>
+          <a:chExt cx="0" cy="0"/>
+        </a:xfrm>
+      </p:grpSpPr>
+      <p:sp>
+        <p:nvSpPr>
+          <p:cNvPr id="2" name="Title 1"/>
+          <p:cNvSpPr>
+            <a:spLocks noGrp="1"/>
+          </p:cNvSpPr>
+          <p:nvPr>
+            <p:ph type="title"/>
+          </p:nvPr>
+        </p:nvSpPr>
+        <p:spPr/>
+        <p:txBody>
+          <a:bodyPr/>
+          <a:lstStyle/>
+          <a:p>
+            <a:r>
+              <a:rPr lang="en-US" sz="4000" dirty="0" err="1" smtClean="0"/>
+              <a:t>eQTL</a:t>
+            </a:r>
+            <a:r>
+              <a:rPr lang="en-US" sz="4000" dirty="0" smtClean="0"/>
+              <a:t> Chromosome </a:t>
+            </a:r>
+            <a:r>
+              <a:rPr lang="en-US" sz="4000" dirty="0"/>
+              <a:t>D</a:t>
+            </a:r>
+            <a:r>
+              <a:rPr lang="en-US" sz="4000" dirty="0" smtClean="0"/>
+              <a:t>istribution </a:t>
+            </a:r>
+            <a:endParaRPr lang="en-US" sz="4000" dirty="0"/>
+          </a:p>
+        </p:txBody>
+      </p:sp>
+      <p:graphicFrame>
+        <p:nvGraphicFramePr>
+          <p:cNvPr id="5" name="Chart 4"/>
+          <p:cNvGraphicFramePr>
+            <a:graphicFrameLocks/>
+          </p:cNvGraphicFramePr>
+          <p:nvPr>
+            <p:extLst>
+              <p:ext uri="{D42A27DB-BD31-4B8C-83A1-F6EECF244321}">
+                <p14:modId xmlns:p14="http://schemas.microsoft.com/office/powerpoint/2010/main" val="2061702849"/>
+              </p:ext>
+            </p:extLst>
+          </p:nvPr>
+        </p:nvGraphicFramePr>
+        <p:xfrm>
+          <a:off x="457200" y="1417638"/>
+          <a:ext cx="7620000" cy="4609008"/>
+        </p:xfrm>
+        <a:graphic>
+          <a:graphicData uri="http://schemas.openxmlformats.org/drawingml/2006/chart">
+            <c:chart xmlns:c="http://schemas.openxmlformats.org/drawingml/2006/chart" xmlns:r="http://schemas.openxmlformats.org/officeDocument/2006/relationships" r:id="rId2"/>
+          </a:graphicData>
+        </a:graphic>
+      </p:graphicFrame>
+    </p:spTree>
+    <p:extLst>
+      <p:ext uri="{BB962C8B-B14F-4D97-AF65-F5344CB8AC3E}">
+        <p14:creationId xmlns:p14="http://schemas.microsoft.com/office/powerpoint/2010/main" val="889405711"/>
+      </p:ext>
+    </p:extLst>
+  </p:cSld>
+  <p:clrMapOvr>
+    <a:masterClrMapping/>
+  </p:clrMapOvr>
+</p:sld>
+</file>
+
+<file path=ppt/slides/slide15.xml><?xml version="1.0" encoding="utf-8"?>
+<p:sld xmlns:a="http://schemas.openxmlformats.org/drawingml/2006/main" xmlns:r="http://schemas.openxmlformats.org/officeDocument/2006/relationships" xmlns:p="http://schemas.openxmlformats.org/presentationml/2006/main">
+  <p:cSld>
+    <p:spTree>
+      <p:nvGrpSpPr>
+        <p:cNvPr id="1" name=""/>
+        <p:cNvGrpSpPr/>
+        <p:nvPr/>
+      </p:nvGrpSpPr>
+      <p:grpSpPr>
+        <a:xfrm>
+          <a:off x="0" y="0"/>
+          <a:ext cx="0" cy="0"/>
+          <a:chOff x="0" y="0"/>
+          <a:chExt cx="0" cy="0"/>
+        </a:xfrm>
+      </p:grpSpPr>
+      <p:sp>
+        <p:nvSpPr>
+          <p:cNvPr id="2" name="Title 1"/>
+          <p:cNvSpPr>
+            <a:spLocks noGrp="1"/>
+          </p:cNvSpPr>
+          <p:nvPr>
+            <p:ph type="title"/>
+          </p:nvPr>
+        </p:nvSpPr>
+        <p:spPr/>
+        <p:txBody>
+          <a:bodyPr/>
+          <a:lstStyle/>
+          <a:p>
+            <a:r>
+              <a:rPr lang="en-US" sz="4000" dirty="0" err="1" smtClean="0"/>
+              <a:t>eQTL</a:t>
+            </a:r>
+            <a:r>
+              <a:rPr lang="en-US" sz="4000" dirty="0" smtClean="0"/>
+              <a:t> Chromosome </a:t>
+            </a:r>
+            <a:r>
+              <a:rPr lang="en-US" sz="4000" dirty="0"/>
+              <a:t>D</a:t>
+            </a:r>
+            <a:r>
+              <a:rPr lang="en-US" sz="4000" dirty="0" smtClean="0"/>
+              <a:t>istribution </a:t>
+            </a:r>
+            <a:endParaRPr lang="en-US" sz="4000" dirty="0"/>
+          </a:p>
+        </p:txBody>
+      </p:sp>
+      <p:graphicFrame>
+        <p:nvGraphicFramePr>
+          <p:cNvPr id="3" name="Chart 2"/>
+          <p:cNvGraphicFramePr>
+            <a:graphicFrameLocks/>
+          </p:cNvGraphicFramePr>
+          <p:nvPr>
+            <p:extLst>
+              <p:ext uri="{D42A27DB-BD31-4B8C-83A1-F6EECF244321}">
+                <p14:modId xmlns:p14="http://schemas.microsoft.com/office/powerpoint/2010/main" val="612054955"/>
+              </p:ext>
+            </p:extLst>
+          </p:nvPr>
+        </p:nvGraphicFramePr>
+        <p:xfrm>
+          <a:off x="457200" y="1657328"/>
+          <a:ext cx="7620000" cy="4498460"/>
+        </p:xfrm>
+        <a:graphic>
+          <a:graphicData uri="http://schemas.openxmlformats.org/drawingml/2006/chart">
+            <c:chart xmlns:c="http://schemas.openxmlformats.org/drawingml/2006/chart" xmlns:r="http://schemas.openxmlformats.org/officeDocument/2006/relationships" r:id="rId2"/>
+          </a:graphicData>
+        </a:graphic>
+      </p:graphicFrame>
+    </p:spTree>
+    <p:extLst>
+      <p:ext uri="{BB962C8B-B14F-4D97-AF65-F5344CB8AC3E}">
+        <p14:creationId xmlns:p14="http://schemas.microsoft.com/office/powerpoint/2010/main" val="1473492227"/>
+      </p:ext>
+    </p:extLst>
+  </p:cSld>
+  <p:clrMapOvr>
+    <a:masterClrMapping/>
+  </p:clrMapOvr>
+</p:sld>
+</file>
+
+<file path=ppt/slides/slide16.xml><?xml version="1.0" encoding="utf-8"?>
+<p:sld xmlns:a="http://schemas.openxmlformats.org/drawingml/2006/main" xmlns:r="http://schemas.openxmlformats.org/officeDocument/2006/relationships" xmlns:p="http://schemas.openxmlformats.org/presentationml/2006/main">
+  <p:cSld>
+    <p:spTree>
+      <p:nvGrpSpPr>
+        <p:cNvPr id="1" name=""/>
+        <p:cNvGrpSpPr/>
+        <p:nvPr/>
+      </p:nvGrpSpPr>
+      <p:grpSpPr>
+        <a:xfrm>
+          <a:off x="0" y="0"/>
+          <a:ext cx="0" cy="0"/>
+          <a:chOff x="0" y="0"/>
+          <a:chExt cx="0" cy="0"/>
+        </a:xfrm>
+      </p:grpSpPr>
+      <p:sp>
+        <p:nvSpPr>
+          <p:cNvPr id="2" name="Title 1"/>
+          <p:cNvSpPr>
+            <a:spLocks noGrp="1"/>
+          </p:cNvSpPr>
+          <p:nvPr>
+            <p:ph type="title"/>
+          </p:nvPr>
+        </p:nvSpPr>
+        <p:spPr/>
+        <p:txBody>
+          <a:bodyPr/>
+          <a:lstStyle/>
+          <a:p>
+            <a:r>
+              <a:rPr lang="en-US" sz="4000" dirty="0" err="1" smtClean="0"/>
+              <a:t>eQTL</a:t>
+            </a:r>
+            <a:r>
+              <a:rPr lang="en-US" sz="4000" dirty="0" smtClean="0"/>
+              <a:t> Chromosome </a:t>
+            </a:r>
+            <a:r>
+              <a:rPr lang="en-US" sz="4000" dirty="0"/>
+              <a:t>D</a:t>
+            </a:r>
+            <a:r>
+              <a:rPr lang="en-US" sz="4000" dirty="0" smtClean="0"/>
+              <a:t>istribution </a:t>
+            </a:r>
+            <a:endParaRPr lang="en-US" sz="4000" dirty="0"/>
+          </a:p>
+        </p:txBody>
+      </p:sp>
+      <p:graphicFrame>
+        <p:nvGraphicFramePr>
+          <p:cNvPr id="3" name="Chart 2"/>
+          <p:cNvGraphicFramePr>
+            <a:graphicFrameLocks/>
+          </p:cNvGraphicFramePr>
+          <p:nvPr>
+            <p:extLst>
+              <p:ext uri="{D42A27DB-BD31-4B8C-83A1-F6EECF244321}">
+                <p14:modId xmlns:p14="http://schemas.microsoft.com/office/powerpoint/2010/main" val="1927180074"/>
+              </p:ext>
+            </p:extLst>
+          </p:nvPr>
+        </p:nvGraphicFramePr>
+        <p:xfrm>
+          <a:off x="457200" y="1396922"/>
+          <a:ext cx="7620000" cy="4608200"/>
+        </p:xfrm>
+        <a:graphic>
+          <a:graphicData uri="http://schemas.openxmlformats.org/drawingml/2006/chart">
+            <c:chart xmlns:c="http://schemas.openxmlformats.org/drawingml/2006/chart" xmlns:r="http://schemas.openxmlformats.org/officeDocument/2006/relationships" r:id="rId2"/>
+          </a:graphicData>
+        </a:graphic>
+      </p:graphicFrame>
+    </p:spTree>
+    <p:extLst>
+      <p:ext uri="{BB962C8B-B14F-4D97-AF65-F5344CB8AC3E}">
+        <p14:creationId xmlns:p14="http://schemas.microsoft.com/office/powerpoint/2010/main" val="1786320633"/>
+      </p:ext>
+    </p:extLst>
+  </p:cSld>
+  <p:clrMapOvr>
+    <a:masterClrMapping/>
+  </p:clrMapOvr>
+</p:sld>
+</file>
+
+<file path=ppt/slides/slide17.xml><?xml version="1.0" encoding="utf-8"?>
+<p:sld xmlns:a="http://schemas.openxmlformats.org/drawingml/2006/main" xmlns:r="http://schemas.openxmlformats.org/officeDocument/2006/relationships" xmlns:p="http://schemas.openxmlformats.org/presentationml/2006/main">
+  <p:cSld>
+    <p:spTree>
+      <p:nvGrpSpPr>
+        <p:cNvPr id="1" name=""/>
+        <p:cNvGrpSpPr/>
+        <p:nvPr/>
+      </p:nvGrpSpPr>
+      <p:grpSpPr>
+        <a:xfrm>
+          <a:off x="0" y="0"/>
+          <a:ext cx="0" cy="0"/>
+          <a:chOff x="0" y="0"/>
+          <a:chExt cx="0" cy="0"/>
+        </a:xfrm>
+      </p:grpSpPr>
+      <p:sp>
+        <p:nvSpPr>
+          <p:cNvPr id="2" name="Title 1"/>
+          <p:cNvSpPr>
+            <a:spLocks noGrp="1"/>
+          </p:cNvSpPr>
+          <p:nvPr>
+            <p:ph type="title"/>
+          </p:nvPr>
+        </p:nvSpPr>
+        <p:spPr>
+          <a:xfrm>
+            <a:off x="457199" y="274638"/>
+            <a:ext cx="7960231" cy="1143000"/>
+          </a:xfrm>
+        </p:spPr>
+        <p:txBody>
+          <a:bodyPr/>
+          <a:lstStyle/>
+          <a:p>
+            <a:r>
+              <a:rPr lang="en-US" sz="4000" dirty="0" smtClean="0"/>
+              <a:t>A hotspot of </a:t>
+            </a:r>
+            <a:r>
+              <a:rPr lang="en-US" sz="4000" dirty="0" err="1" smtClean="0"/>
+              <a:t>eQTL</a:t>
+            </a:r>
+            <a:r>
+              <a:rPr lang="en-US" sz="4000" dirty="0" smtClean="0"/>
+              <a:t> on Chromosome 6</a:t>
+            </a:r>
+            <a:endParaRPr lang="en-US" sz="4000" dirty="0"/>
+          </a:p>
+        </p:txBody>
+      </p:sp>
+      <p:pic>
+        <p:nvPicPr>
+          <p:cNvPr id="5" name="Picture 4"/>
+          <p:cNvPicPr>
+            <a:picLocks noChangeAspect="1"/>
+          </p:cNvPicPr>
+          <p:nvPr/>
+        </p:nvPicPr>
+        <p:blipFill>
+          <a:blip r:embed="rId2"/>
+          <a:stretch>
+            <a:fillRect/>
+          </a:stretch>
+        </p:blipFill>
+        <p:spPr>
+          <a:xfrm>
+            <a:off x="750997" y="1536699"/>
+            <a:ext cx="7235449" cy="5049564"/>
+          </a:xfrm>
+          <a:prstGeom prst="rect">
+            <a:avLst/>
+          </a:prstGeom>
+        </p:spPr>
+      </p:pic>
+    </p:spTree>
+    <p:extLst>
+      <p:ext uri="{BB962C8B-B14F-4D97-AF65-F5344CB8AC3E}">
+        <p14:creationId xmlns:p14="http://schemas.microsoft.com/office/powerpoint/2010/main" val="92209055"/>
+      </p:ext>
+    </p:extLst>
+  </p:cSld>
+  <p:clrMapOvr>
+    <a:masterClrMapping/>
+  </p:clrMapOvr>
+</p:sld>
+</file>
+
+<file path=ppt/slides/slide18.xml><?xml version="1.0" encoding="utf-8"?>
+<p:sld xmlns:a="http://schemas.openxmlformats.org/drawingml/2006/main" xmlns:r="http://schemas.openxmlformats.org/officeDocument/2006/relationships" xmlns:p="http://schemas.openxmlformats.org/presentationml/2006/main">
+  <p:cSld>
+    <p:spTree>
+      <p:nvGrpSpPr>
+        <p:cNvPr id="1" name=""/>
+        <p:cNvGrpSpPr/>
+        <p:nvPr/>
+      </p:nvGrpSpPr>
+      <p:grpSpPr>
+        <a:xfrm>
+          <a:off x="0" y="0"/>
+          <a:ext cx="0" cy="0"/>
+          <a:chOff x="0" y="0"/>
+          <a:chExt cx="0" cy="0"/>
+        </a:xfrm>
+      </p:grpSpPr>
+      <p:sp>
+        <p:nvSpPr>
+          <p:cNvPr id="2" name="Title 1"/>
+          <p:cNvSpPr>
+            <a:spLocks noGrp="1"/>
+          </p:cNvSpPr>
+          <p:nvPr>
+            <p:ph type="title"/>
+          </p:nvPr>
+        </p:nvSpPr>
+        <p:spPr/>
+        <p:txBody>
+          <a:bodyPr/>
+          <a:lstStyle/>
+          <a:p>
+            <a:r>
+              <a:rPr lang="en-US" sz="3600" dirty="0" smtClean="0"/>
+              <a:t>Distribution of cumulative effector size</a:t>
+            </a:r>
+            <a:endParaRPr lang="en-US" sz="3600" dirty="0"/>
+          </a:p>
+        </p:txBody>
+      </p:sp>
+      <p:pic>
+        <p:nvPicPr>
+          <p:cNvPr id="4" name="Content Placeholder 3"/>
+          <p:cNvPicPr>
+            <a:picLocks noGrp="1" noChangeAspect="1"/>
+          </p:cNvPicPr>
+          <p:nvPr>
+            <p:ph idx="1"/>
+          </p:nvPr>
+        </p:nvPicPr>
+        <p:blipFill>
+          <a:blip r:embed="rId2"/>
+          <a:srcRect t="5856" b="5856"/>
+          <a:stretch>
+            <a:fillRect/>
+          </a:stretch>
+        </p:blipFill>
+        <p:spPr/>
+      </p:pic>
+    </p:spTree>
+    <p:extLst>
+      <p:ext uri="{BB962C8B-B14F-4D97-AF65-F5344CB8AC3E}">
+        <p14:creationId xmlns:p14="http://schemas.microsoft.com/office/powerpoint/2010/main" val="3088177204"/>
+      </p:ext>
+    </p:extLst>
+  </p:cSld>
+  <p:clrMapOvr>
+    <a:masterClrMapping/>
+  </p:clrMapOvr>
+  <p:timing>
+    <p:tnLst>
+      <p:par>
+        <p:cTn xmlns:p14="http://schemas.microsoft.com/office/powerpoint/2010/main" id="1" dur="indefinite" restart="never" nodeType="tmRoot"/>
+      </p:par>
+    </p:tnLst>
+  </p:timing>
+</p:sld>
+</file>
+
+<file path=ppt/slides/slide19.xml><?xml version="1.0" encoding="utf-8"?>
+<p:sld xmlns:a="http://schemas.openxmlformats.org/drawingml/2006/main" xmlns:r="http://schemas.openxmlformats.org/officeDocument/2006/relationships" xmlns:p="http://schemas.openxmlformats.org/presentationml/2006/main">
+  <p:cSld>
+    <p:spTree>
+      <p:nvGrpSpPr>
+        <p:cNvPr id="1" name=""/>
+        <p:cNvGrpSpPr/>
+        <p:nvPr/>
+      </p:nvGrpSpPr>
+      <p:grpSpPr>
+        <a:xfrm>
+          <a:off x="0" y="0"/>
+          <a:ext cx="0" cy="0"/>
+          <a:chOff x="0" y="0"/>
+          <a:chExt cx="0" cy="0"/>
+        </a:xfrm>
+      </p:grpSpPr>
+      <p:sp>
+        <p:nvSpPr>
+          <p:cNvPr id="2" name="Title 1"/>
+          <p:cNvSpPr>
+            <a:spLocks noGrp="1"/>
+          </p:cNvSpPr>
+          <p:nvPr>
+            <p:ph type="title"/>
+          </p:nvPr>
+        </p:nvSpPr>
+        <p:spPr/>
+        <p:txBody>
+          <a:bodyPr/>
+          <a:lstStyle/>
+          <a:p>
+            <a:r>
+              <a:rPr lang="en-US" dirty="0" smtClean="0"/>
+              <a:t>Sample GO analysis--pancreas</a:t>
+            </a:r>
+            <a:endParaRPr lang="en-US" dirty="0"/>
+          </a:p>
+        </p:txBody>
+      </p:sp>
+      <p:pic>
+        <p:nvPicPr>
+          <p:cNvPr id="8" name="Picture 7" descr="go panc.tiff"/>
+          <p:cNvPicPr>
+            <a:picLocks noChangeAspect="1"/>
+          </p:cNvPicPr>
+          <p:nvPr/>
+        </p:nvPicPr>
+        <p:blipFill>
+          <a:blip r:embed="rId2">
+            <a:extLst>
+              <a:ext uri="{28A0092B-C50C-407E-A947-70E740481C1C}">
+                <a14:useLocalDpi xmlns:a14="http://schemas.microsoft.com/office/drawing/2010/main" val="0"/>
+              </a:ext>
+            </a:extLst>
+          </a:blip>
+          <a:stretch>
+            <a:fillRect/>
+          </a:stretch>
+        </p:blipFill>
+        <p:spPr>
+          <a:xfrm>
+            <a:off x="925701" y="1257360"/>
+            <a:ext cx="7556314" cy="5113666"/>
+          </a:xfrm>
+          <a:prstGeom prst="rect">
+            <a:avLst/>
+          </a:prstGeom>
+        </p:spPr>
+      </p:pic>
+    </p:spTree>
+    <p:extLst>
+      <p:ext uri="{BB962C8B-B14F-4D97-AF65-F5344CB8AC3E}">
+        <p14:creationId xmlns:p14="http://schemas.microsoft.com/office/powerpoint/2010/main" val="1328086479"/>
+      </p:ext>
+    </p:extLst>
+  </p:cSld>
+  <p:clrMapOvr>
+    <a:masterClrMapping/>
+  </p:clrMapOvr>
+  <p:timing>
+    <p:tnLst>
+      <p:par>
+        <p:cTn xmlns:p14="http://schemas.microsoft.com/office/powerpoint/2010/main" id="1" dur="indefinite" restart="never" nodeType="tmRoot"/>
+      </p:par>
+    </p:tnLst>
+  </p:timing>
+</p:sld>
+</file>
+
 <file path=ppt/slides/slide2.xml><?xml version="1.0" encoding="utf-8"?>
 <p:sld xmlns:a="http://schemas.openxmlformats.org/drawingml/2006/main" xmlns:r="http://schemas.openxmlformats.org/officeDocument/2006/relationships" xmlns:p="http://schemas.openxmlformats.org/presentationml/2006/main">
   <p:cSld>
@@ -3246,6 +5769,796 @@
   <p:clrMapOvr>
     <a:masterClrMapping/>
   </p:clrMapOvr>
+</p:sld>
+</file>
+
+<file path=ppt/slides/slide20.xml><?xml version="1.0" encoding="utf-8"?>
+<p:sld xmlns:a="http://schemas.openxmlformats.org/drawingml/2006/main" xmlns:r="http://schemas.openxmlformats.org/officeDocument/2006/relationships" xmlns:p="http://schemas.openxmlformats.org/presentationml/2006/main">
+  <p:cSld>
+    <p:spTree>
+      <p:nvGrpSpPr>
+        <p:cNvPr id="1" name=""/>
+        <p:cNvGrpSpPr/>
+        <p:nvPr/>
+      </p:nvGrpSpPr>
+      <p:grpSpPr>
+        <a:xfrm>
+          <a:off x="0" y="0"/>
+          <a:ext cx="0" cy="0"/>
+          <a:chOff x="0" y="0"/>
+          <a:chExt cx="0" cy="0"/>
+        </a:xfrm>
+      </p:grpSpPr>
+      <p:sp>
+        <p:nvSpPr>
+          <p:cNvPr id="2" name="Title 1"/>
+          <p:cNvSpPr>
+            <a:spLocks noGrp="1"/>
+          </p:cNvSpPr>
+          <p:nvPr>
+            <p:ph type="title"/>
+          </p:nvPr>
+        </p:nvSpPr>
+        <p:spPr/>
+        <p:txBody>
+          <a:bodyPr/>
+          <a:lstStyle/>
+          <a:p>
+            <a:r>
+              <a:rPr lang="en-US" dirty="0" err="1" smtClean="0"/>
+              <a:t>Regulome</a:t>
+            </a:r>
+            <a:r>
+              <a:rPr lang="en-US" dirty="0" smtClean="0"/>
+              <a:t> DB analysis</a:t>
+            </a:r>
+            <a:endParaRPr lang="en-US" dirty="0"/>
+          </a:p>
+        </p:txBody>
+      </p:sp>
+      <p:sp>
+        <p:nvSpPr>
+          <p:cNvPr id="3" name="Content Placeholder 2"/>
+          <p:cNvSpPr>
+            <a:spLocks noGrp="1"/>
+          </p:cNvSpPr>
+          <p:nvPr>
+            <p:ph idx="1"/>
+          </p:nvPr>
+        </p:nvSpPr>
+        <p:spPr/>
+        <p:txBody>
+          <a:bodyPr>
+            <a:normAutofit/>
+          </a:bodyPr>
+          <a:lstStyle/>
+          <a:p>
+            <a:r>
+              <a:rPr lang="en-US" sz="2800" dirty="0" smtClean="0"/>
+              <a:t>First 3x10</a:t>
+            </a:r>
+            <a:r>
+              <a:rPr lang="en-US" sz="2800" baseline="30000" dirty="0" smtClean="0"/>
+              <a:t>6</a:t>
+            </a:r>
+            <a:r>
+              <a:rPr lang="en-US" sz="2800" dirty="0" smtClean="0"/>
+              <a:t> nucleotide on chromosome 1 as input dataset</a:t>
+            </a:r>
+          </a:p>
+          <a:p>
+            <a:r>
+              <a:rPr lang="en-US" sz="2800" dirty="0" smtClean="0"/>
+              <a:t>Score higher than 1f are classified as </a:t>
+            </a:r>
+            <a:r>
+              <a:rPr lang="en-US" sz="2800" dirty="0" err="1" smtClean="0"/>
+              <a:t>eQTL</a:t>
+            </a:r>
+            <a:endParaRPr lang="en-US" sz="2800" dirty="0"/>
+          </a:p>
+        </p:txBody>
+      </p:sp>
+    </p:spTree>
+    <p:extLst>
+      <p:ext uri="{BB962C8B-B14F-4D97-AF65-F5344CB8AC3E}">
+        <p14:creationId xmlns:p14="http://schemas.microsoft.com/office/powerpoint/2010/main" val="2144091416"/>
+      </p:ext>
+    </p:extLst>
+  </p:cSld>
+  <p:clrMapOvr>
+    <a:masterClrMapping/>
+  </p:clrMapOvr>
+  <p:timing>
+    <p:tnLst>
+      <p:par>
+        <p:cTn xmlns:p14="http://schemas.microsoft.com/office/powerpoint/2010/main" id="1" dur="indefinite" restart="never" nodeType="tmRoot"/>
+      </p:par>
+    </p:tnLst>
+  </p:timing>
+</p:sld>
+</file>
+
+<file path=ppt/slides/slide21.xml><?xml version="1.0" encoding="utf-8"?>
+<p:sld xmlns:a="http://schemas.openxmlformats.org/drawingml/2006/main" xmlns:r="http://schemas.openxmlformats.org/officeDocument/2006/relationships" xmlns:p="http://schemas.openxmlformats.org/presentationml/2006/main">
+  <p:cSld>
+    <p:spTree>
+      <p:nvGrpSpPr>
+        <p:cNvPr id="1" name=""/>
+        <p:cNvGrpSpPr/>
+        <p:nvPr/>
+      </p:nvGrpSpPr>
+      <p:grpSpPr>
+        <a:xfrm>
+          <a:off x="0" y="0"/>
+          <a:ext cx="0" cy="0"/>
+          <a:chOff x="0" y="0"/>
+          <a:chExt cx="0" cy="0"/>
+        </a:xfrm>
+      </p:grpSpPr>
+      <p:sp>
+        <p:nvSpPr>
+          <p:cNvPr id="2" name="Title 1"/>
+          <p:cNvSpPr>
+            <a:spLocks noGrp="1"/>
+          </p:cNvSpPr>
+          <p:nvPr>
+            <p:ph type="title"/>
+          </p:nvPr>
+        </p:nvSpPr>
+        <p:spPr/>
+        <p:txBody>
+          <a:bodyPr/>
+          <a:lstStyle/>
+          <a:p>
+            <a:r>
+              <a:rPr lang="en-US" dirty="0" err="1" smtClean="0"/>
+              <a:t>RegulomeDB</a:t>
+            </a:r>
+            <a:r>
+              <a:rPr lang="en-US" dirty="0" smtClean="0"/>
+              <a:t> scores</a:t>
+            </a:r>
+            <a:endParaRPr lang="en-US" dirty="0"/>
+          </a:p>
+        </p:txBody>
+      </p:sp>
+      <p:pic>
+        <p:nvPicPr>
+          <p:cNvPr id="4" name="Content Placeholder 3" descr="image 3.png"/>
+          <p:cNvPicPr>
+            <a:picLocks noGrp="1" noChangeAspect="1"/>
+          </p:cNvPicPr>
+          <p:nvPr>
+            <p:ph idx="1"/>
+          </p:nvPr>
+        </p:nvPicPr>
+        <p:blipFill>
+          <a:blip r:embed="rId2">
+            <a:extLst>
+              <a:ext uri="{28A0092B-C50C-407E-A947-70E740481C1C}">
+                <a14:useLocalDpi xmlns:a14="http://schemas.microsoft.com/office/drawing/2010/main" val="0"/>
+              </a:ext>
+            </a:extLst>
+          </a:blip>
+          <a:srcRect t="4143" b="4143"/>
+          <a:stretch>
+            <a:fillRect/>
+          </a:stretch>
+        </p:blipFill>
+        <p:spPr/>
+      </p:pic>
+    </p:spTree>
+    <p:extLst>
+      <p:ext uri="{BB962C8B-B14F-4D97-AF65-F5344CB8AC3E}">
+        <p14:creationId xmlns:p14="http://schemas.microsoft.com/office/powerpoint/2010/main" val="3254054597"/>
+      </p:ext>
+    </p:extLst>
+  </p:cSld>
+  <p:clrMapOvr>
+    <a:masterClrMapping/>
+  </p:clrMapOvr>
+  <p:timing>
+    <p:tnLst>
+      <p:par>
+        <p:cTn xmlns:p14="http://schemas.microsoft.com/office/powerpoint/2010/main" id="1" dur="indefinite" restart="never" nodeType="tmRoot"/>
+      </p:par>
+    </p:tnLst>
+  </p:timing>
+</p:sld>
+</file>
+
+<file path=ppt/slides/slide22.xml><?xml version="1.0" encoding="utf-8"?>
+<p:sld xmlns:a="http://schemas.openxmlformats.org/drawingml/2006/main" xmlns:r="http://schemas.openxmlformats.org/officeDocument/2006/relationships" xmlns:p="http://schemas.openxmlformats.org/presentationml/2006/main">
+  <p:cSld>
+    <p:spTree>
+      <p:nvGrpSpPr>
+        <p:cNvPr id="1" name=""/>
+        <p:cNvGrpSpPr/>
+        <p:nvPr/>
+      </p:nvGrpSpPr>
+      <p:grpSpPr>
+        <a:xfrm>
+          <a:off x="0" y="0"/>
+          <a:ext cx="0" cy="0"/>
+          <a:chOff x="0" y="0"/>
+          <a:chExt cx="0" cy="0"/>
+        </a:xfrm>
+      </p:grpSpPr>
+      <p:pic>
+        <p:nvPicPr>
+          <p:cNvPr id="5" name="Content Placeholder 4"/>
+          <p:cNvPicPr>
+            <a:picLocks noGrp="1" noChangeAspect="1"/>
+          </p:cNvPicPr>
+          <p:nvPr>
+            <p:ph idx="1"/>
+          </p:nvPr>
+        </p:nvPicPr>
+        <p:blipFill>
+          <a:blip r:embed="rId2"/>
+          <a:srcRect t="1479" b="1479"/>
+          <a:stretch>
+            <a:fillRect/>
+          </a:stretch>
+        </p:blipFill>
+        <p:spPr>
+          <a:xfrm>
+            <a:off x="457200" y="1169725"/>
+            <a:ext cx="7620000" cy="4800600"/>
+          </a:xfrm>
+        </p:spPr>
+      </p:pic>
+    </p:spTree>
+    <p:extLst>
+      <p:ext uri="{BB962C8B-B14F-4D97-AF65-F5344CB8AC3E}">
+        <p14:creationId xmlns:p14="http://schemas.microsoft.com/office/powerpoint/2010/main" val="2366718146"/>
+      </p:ext>
+    </p:extLst>
+  </p:cSld>
+  <p:clrMapOvr>
+    <a:masterClrMapping/>
+  </p:clrMapOvr>
+  <p:timing>
+    <p:tnLst>
+      <p:par>
+        <p:cTn xmlns:p14="http://schemas.microsoft.com/office/powerpoint/2010/main" id="1" dur="indefinite" restart="never" nodeType="tmRoot"/>
+      </p:par>
+    </p:tnLst>
+  </p:timing>
+</p:sld>
+</file>
+
+<file path=ppt/slides/slide23.xml><?xml version="1.0" encoding="utf-8"?>
+<p:sld xmlns:a="http://schemas.openxmlformats.org/drawingml/2006/main" xmlns:r="http://schemas.openxmlformats.org/officeDocument/2006/relationships" xmlns:p="http://schemas.openxmlformats.org/presentationml/2006/main">
+  <p:cSld>
+    <p:spTree>
+      <p:nvGrpSpPr>
+        <p:cNvPr id="1" name=""/>
+        <p:cNvGrpSpPr/>
+        <p:nvPr/>
+      </p:nvGrpSpPr>
+      <p:grpSpPr>
+        <a:xfrm>
+          <a:off x="0" y="0"/>
+          <a:ext cx="0" cy="0"/>
+          <a:chOff x="0" y="0"/>
+          <a:chExt cx="0" cy="0"/>
+        </a:xfrm>
+      </p:grpSpPr>
+      <p:sp>
+        <p:nvSpPr>
+          <p:cNvPr id="2" name="Title 1"/>
+          <p:cNvSpPr>
+            <a:spLocks noGrp="1"/>
+          </p:cNvSpPr>
+          <p:nvPr>
+            <p:ph type="title"/>
+          </p:nvPr>
+        </p:nvSpPr>
+        <p:spPr/>
+        <p:txBody>
+          <a:bodyPr/>
+          <a:lstStyle/>
+          <a:p>
+            <a:r>
+              <a:rPr lang="en-US" sz="3600" dirty="0" smtClean="0"/>
+              <a:t>Example </a:t>
+            </a:r>
+            <a:r>
+              <a:rPr lang="en-US" sz="3600" dirty="0" err="1" smtClean="0"/>
+              <a:t>eQTL</a:t>
+            </a:r>
+            <a:r>
+              <a:rPr lang="en-US" sz="3600" dirty="0" smtClean="0"/>
+              <a:t>: rs1886730</a:t>
+            </a:r>
+            <a:endParaRPr lang="en-US" sz="3600" dirty="0"/>
+          </a:p>
+        </p:txBody>
+      </p:sp>
+      <p:sp>
+        <p:nvSpPr>
+          <p:cNvPr id="3" name="Content Placeholder 2"/>
+          <p:cNvSpPr>
+            <a:spLocks noGrp="1"/>
+          </p:cNvSpPr>
+          <p:nvPr>
+            <p:ph idx="1"/>
+          </p:nvPr>
+        </p:nvSpPr>
+        <p:spPr/>
+        <p:txBody>
+          <a:bodyPr>
+            <a:normAutofit/>
+          </a:bodyPr>
+          <a:lstStyle/>
+          <a:p>
+            <a:r>
+              <a:rPr lang="en-US" sz="2800" dirty="0" smtClean="0"/>
+              <a:t>Score 1b</a:t>
+            </a:r>
+          </a:p>
+          <a:p>
+            <a:r>
+              <a:rPr lang="en-US" sz="2800" dirty="0" smtClean="0"/>
+              <a:t>Affects expression of TNFRSF14 in </a:t>
+            </a:r>
+            <a:r>
+              <a:rPr lang="en-US" sz="2800" dirty="0" err="1" smtClean="0"/>
+              <a:t>lymphoblastoid</a:t>
+            </a:r>
+            <a:endParaRPr lang="en-US" sz="2800" dirty="0"/>
+          </a:p>
+        </p:txBody>
+      </p:sp>
+      <p:sp>
+        <p:nvSpPr>
+          <p:cNvPr id="4" name="TextBox 3"/>
+          <p:cNvSpPr txBox="1"/>
+          <p:nvPr/>
+        </p:nvSpPr>
+        <p:spPr>
+          <a:xfrm>
+            <a:off x="3659752" y="6303025"/>
+            <a:ext cx="4713512" cy="369332"/>
+          </a:xfrm>
+          <a:prstGeom prst="rect">
+            <a:avLst/>
+          </a:prstGeom>
+          <a:noFill/>
+        </p:spPr>
+        <p:txBody>
+          <a:bodyPr wrap="none" rtlCol="0">
+            <a:spAutoFit/>
+          </a:bodyPr>
+          <a:lstStyle/>
+          <a:p>
+            <a:r>
+              <a:rPr lang="en-US" dirty="0"/>
+              <a:t>http://</a:t>
+            </a:r>
+            <a:r>
+              <a:rPr lang="en-US" dirty="0" err="1"/>
+              <a:t>www.regulomedb.org</a:t>
+            </a:r>
+            <a:r>
+              <a:rPr lang="en-US" dirty="0"/>
+              <a:t>/</a:t>
+            </a:r>
+            <a:r>
+              <a:rPr lang="en-US" dirty="0" err="1"/>
+              <a:t>snp</a:t>
+            </a:r>
+            <a:r>
+              <a:rPr lang="en-US" dirty="0"/>
+              <a:t>/chr1/2488607</a:t>
+            </a:r>
+          </a:p>
+        </p:txBody>
+      </p:sp>
+    </p:spTree>
+    <p:extLst>
+      <p:ext uri="{BB962C8B-B14F-4D97-AF65-F5344CB8AC3E}">
+        <p14:creationId xmlns:p14="http://schemas.microsoft.com/office/powerpoint/2010/main" val="2155924508"/>
+      </p:ext>
+    </p:extLst>
+  </p:cSld>
+  <p:clrMapOvr>
+    <a:masterClrMapping/>
+  </p:clrMapOvr>
+  <p:timing>
+    <p:tnLst>
+      <p:par>
+        <p:cTn xmlns:p14="http://schemas.microsoft.com/office/powerpoint/2010/main" id="1" dur="indefinite" restart="never" nodeType="tmRoot"/>
+      </p:par>
+    </p:tnLst>
+  </p:timing>
+</p:sld>
+</file>
+
+<file path=ppt/slides/slide24.xml><?xml version="1.0" encoding="utf-8"?>
+<p:sld xmlns:a="http://schemas.openxmlformats.org/drawingml/2006/main" xmlns:r="http://schemas.openxmlformats.org/officeDocument/2006/relationships" xmlns:p="http://schemas.openxmlformats.org/presentationml/2006/main">
+  <p:cSld>
+    <p:spTree>
+      <p:nvGrpSpPr>
+        <p:cNvPr id="1" name=""/>
+        <p:cNvGrpSpPr/>
+        <p:nvPr/>
+      </p:nvGrpSpPr>
+      <p:grpSpPr>
+        <a:xfrm>
+          <a:off x="0" y="0"/>
+          <a:ext cx="0" cy="0"/>
+          <a:chOff x="0" y="0"/>
+          <a:chExt cx="0" cy="0"/>
+        </a:xfrm>
+      </p:grpSpPr>
+      <p:pic>
+        <p:nvPicPr>
+          <p:cNvPr id="4" name="Picture 3" descr="RS.tiff"/>
+          <p:cNvPicPr>
+            <a:picLocks noChangeAspect="1"/>
+          </p:cNvPicPr>
+          <p:nvPr/>
+        </p:nvPicPr>
+        <p:blipFill>
+          <a:blip r:embed="rId2">
+            <a:extLst>
+              <a:ext uri="{28A0092B-C50C-407E-A947-70E740481C1C}">
+                <a14:useLocalDpi xmlns:a14="http://schemas.microsoft.com/office/drawing/2010/main" val="0"/>
+              </a:ext>
+            </a:extLst>
+          </a:blip>
+          <a:stretch>
+            <a:fillRect/>
+          </a:stretch>
+        </p:blipFill>
+        <p:spPr>
+          <a:xfrm>
+            <a:off x="177800" y="0"/>
+            <a:ext cx="8781446" cy="6858000"/>
+          </a:xfrm>
+          <a:prstGeom prst="rect">
+            <a:avLst/>
+          </a:prstGeom>
+        </p:spPr>
+      </p:pic>
+      <p:sp>
+        <p:nvSpPr>
+          <p:cNvPr id="5" name="TextBox 4"/>
+          <p:cNvSpPr txBox="1"/>
+          <p:nvPr/>
+        </p:nvSpPr>
+        <p:spPr>
+          <a:xfrm>
+            <a:off x="4245734" y="6487691"/>
+            <a:ext cx="4713512" cy="369332"/>
+          </a:xfrm>
+          <a:prstGeom prst="rect">
+            <a:avLst/>
+          </a:prstGeom>
+          <a:noFill/>
+        </p:spPr>
+        <p:txBody>
+          <a:bodyPr wrap="none" rtlCol="0">
+            <a:spAutoFit/>
+          </a:bodyPr>
+          <a:lstStyle/>
+          <a:p>
+            <a:r>
+              <a:rPr lang="en-US" dirty="0"/>
+              <a:t>http://</a:t>
+            </a:r>
+            <a:r>
+              <a:rPr lang="en-US" dirty="0" err="1"/>
+              <a:t>www.regulomedb.org</a:t>
+            </a:r>
+            <a:r>
+              <a:rPr lang="en-US" dirty="0"/>
+              <a:t>/</a:t>
+            </a:r>
+            <a:r>
+              <a:rPr lang="en-US" dirty="0" err="1"/>
+              <a:t>snp</a:t>
+            </a:r>
+            <a:r>
+              <a:rPr lang="en-US" dirty="0"/>
+              <a:t>/chr1/2488607</a:t>
+            </a:r>
+          </a:p>
+        </p:txBody>
+      </p:sp>
+    </p:spTree>
+    <p:extLst>
+      <p:ext uri="{BB962C8B-B14F-4D97-AF65-F5344CB8AC3E}">
+        <p14:creationId xmlns:p14="http://schemas.microsoft.com/office/powerpoint/2010/main" val="778015812"/>
+      </p:ext>
+    </p:extLst>
+  </p:cSld>
+  <p:clrMapOvr>
+    <a:masterClrMapping/>
+  </p:clrMapOvr>
+  <p:timing>
+    <p:tnLst>
+      <p:par>
+        <p:cTn xmlns:p14="http://schemas.microsoft.com/office/powerpoint/2010/main" id="1" dur="indefinite" restart="never" nodeType="tmRoot"/>
+      </p:par>
+    </p:tnLst>
+  </p:timing>
+</p:sld>
+</file>
+
+<file path=ppt/slides/slide25.xml><?xml version="1.0" encoding="utf-8"?>
+<p:sld xmlns:a="http://schemas.openxmlformats.org/drawingml/2006/main" xmlns:r="http://schemas.openxmlformats.org/officeDocument/2006/relationships" xmlns:p="http://schemas.openxmlformats.org/presentationml/2006/main">
+  <p:cSld>
+    <p:spTree>
+      <p:nvGrpSpPr>
+        <p:cNvPr id="1" name=""/>
+        <p:cNvGrpSpPr/>
+        <p:nvPr/>
+      </p:nvGrpSpPr>
+      <p:grpSpPr>
+        <a:xfrm>
+          <a:off x="0" y="0"/>
+          <a:ext cx="0" cy="0"/>
+          <a:chOff x="0" y="0"/>
+          <a:chExt cx="0" cy="0"/>
+        </a:xfrm>
+      </p:grpSpPr>
+      <p:sp>
+        <p:nvSpPr>
+          <p:cNvPr id="3" name="Content Placeholder 2"/>
+          <p:cNvSpPr>
+            <a:spLocks noGrp="1"/>
+          </p:cNvSpPr>
+          <p:nvPr>
+            <p:ph idx="1"/>
+          </p:nvPr>
+        </p:nvSpPr>
+        <p:spPr>
+          <a:xfrm>
+            <a:off x="457200" y="1083630"/>
+            <a:ext cx="7620000" cy="4800600"/>
+          </a:xfrm>
+        </p:spPr>
+        <p:txBody>
+          <a:bodyPr/>
+          <a:lstStyle/>
+          <a:p>
+            <a:r>
+              <a:rPr lang="en-US" dirty="0" smtClean="0"/>
+              <a:t>Located within the binding site of FOXO6</a:t>
+            </a:r>
+          </a:p>
+          <a:p>
+            <a:r>
+              <a:rPr lang="en-US" dirty="0" smtClean="0"/>
+              <a:t>Evidence from multiple </a:t>
+            </a:r>
+            <a:r>
+              <a:rPr lang="en-US" dirty="0" err="1" smtClean="0"/>
+              <a:t>ChIP-Seq</a:t>
+            </a:r>
+            <a:r>
+              <a:rPr lang="en-US" dirty="0" smtClean="0"/>
+              <a:t> experiments </a:t>
+            </a:r>
+          </a:p>
+          <a:p>
+            <a:r>
+              <a:rPr lang="en-US" dirty="0" smtClean="0"/>
+              <a:t>Near active RSS</a:t>
+            </a:r>
+            <a:endParaRPr lang="en-US" dirty="0"/>
+          </a:p>
+        </p:txBody>
+      </p:sp>
+      <p:sp>
+        <p:nvSpPr>
+          <p:cNvPr id="4" name="TextBox 3"/>
+          <p:cNvSpPr txBox="1"/>
+          <p:nvPr/>
+        </p:nvSpPr>
+        <p:spPr>
+          <a:xfrm>
+            <a:off x="3659752" y="6400800"/>
+            <a:ext cx="4713512" cy="369332"/>
+          </a:xfrm>
+          <a:prstGeom prst="rect">
+            <a:avLst/>
+          </a:prstGeom>
+          <a:noFill/>
+        </p:spPr>
+        <p:txBody>
+          <a:bodyPr wrap="none" rtlCol="0">
+            <a:spAutoFit/>
+          </a:bodyPr>
+          <a:lstStyle/>
+          <a:p>
+            <a:r>
+              <a:rPr lang="en-US" dirty="0"/>
+              <a:t>http://</a:t>
+            </a:r>
+            <a:r>
+              <a:rPr lang="en-US" dirty="0" err="1"/>
+              <a:t>www.regulomedb.org</a:t>
+            </a:r>
+            <a:r>
+              <a:rPr lang="en-US" dirty="0"/>
+              <a:t>/</a:t>
+            </a:r>
+            <a:r>
+              <a:rPr lang="en-US" dirty="0" err="1"/>
+              <a:t>snp</a:t>
+            </a:r>
+            <a:r>
+              <a:rPr lang="en-US" dirty="0"/>
+              <a:t>/chr1/2488607</a:t>
+            </a:r>
+          </a:p>
+        </p:txBody>
+      </p:sp>
+      <p:pic>
+        <p:nvPicPr>
+          <p:cNvPr id="5" name="Picture 4"/>
+          <p:cNvPicPr>
+            <a:picLocks noChangeAspect="1"/>
+          </p:cNvPicPr>
+          <p:nvPr/>
+        </p:nvPicPr>
+        <p:blipFill>
+          <a:blip r:embed="rId2"/>
+          <a:stretch>
+            <a:fillRect/>
+          </a:stretch>
+        </p:blipFill>
+        <p:spPr>
+          <a:xfrm>
+            <a:off x="688893" y="2629110"/>
+            <a:ext cx="6840509" cy="2280170"/>
+          </a:xfrm>
+          <a:prstGeom prst="rect">
+            <a:avLst/>
+          </a:prstGeom>
+        </p:spPr>
+      </p:pic>
+      <p:pic>
+        <p:nvPicPr>
+          <p:cNvPr id="6" name="Picture 5" descr="tss.tiff"/>
+          <p:cNvPicPr>
+            <a:picLocks noChangeAspect="1"/>
+          </p:cNvPicPr>
+          <p:nvPr/>
+        </p:nvPicPr>
+        <p:blipFill>
+          <a:blip r:embed="rId3">
+            <a:extLst>
+              <a:ext uri="{28A0092B-C50C-407E-A947-70E740481C1C}">
+                <a14:useLocalDpi xmlns:a14="http://schemas.microsoft.com/office/drawing/2010/main" val="0"/>
+              </a:ext>
+            </a:extLst>
+          </a:blip>
+          <a:stretch>
+            <a:fillRect/>
+          </a:stretch>
+        </p:blipFill>
+        <p:spPr>
+          <a:xfrm>
+            <a:off x="0" y="5028573"/>
+            <a:ext cx="9144000" cy="634037"/>
+          </a:xfrm>
+          <a:prstGeom prst="rect">
+            <a:avLst/>
+          </a:prstGeom>
+        </p:spPr>
+      </p:pic>
+    </p:spTree>
+    <p:extLst>
+      <p:ext uri="{BB962C8B-B14F-4D97-AF65-F5344CB8AC3E}">
+        <p14:creationId xmlns:p14="http://schemas.microsoft.com/office/powerpoint/2010/main" val="3404689068"/>
+      </p:ext>
+    </p:extLst>
+  </p:cSld>
+  <p:clrMapOvr>
+    <a:masterClrMapping/>
+  </p:clrMapOvr>
+  <p:timing>
+    <p:tnLst>
+      <p:par>
+        <p:cTn xmlns:p14="http://schemas.microsoft.com/office/powerpoint/2010/main" id="1" dur="indefinite" restart="never" nodeType="tmRoot"/>
+      </p:par>
+    </p:tnLst>
+  </p:timing>
+</p:sld>
+</file>
+
+<file path=ppt/slides/slide26.xml><?xml version="1.0" encoding="utf-8"?>
+<p:sld xmlns:a="http://schemas.openxmlformats.org/drawingml/2006/main" xmlns:r="http://schemas.openxmlformats.org/officeDocument/2006/relationships" xmlns:p="http://schemas.openxmlformats.org/presentationml/2006/main">
+  <p:cSld>
+    <p:spTree>
+      <p:nvGrpSpPr>
+        <p:cNvPr id="1" name=""/>
+        <p:cNvGrpSpPr/>
+        <p:nvPr/>
+      </p:nvGrpSpPr>
+      <p:grpSpPr>
+        <a:xfrm>
+          <a:off x="0" y="0"/>
+          <a:ext cx="0" cy="0"/>
+          <a:chOff x="0" y="0"/>
+          <a:chExt cx="0" cy="0"/>
+        </a:xfrm>
+      </p:grpSpPr>
+      <p:sp>
+        <p:nvSpPr>
+          <p:cNvPr id="2" name="Title 1"/>
+          <p:cNvSpPr>
+            <a:spLocks noGrp="1"/>
+          </p:cNvSpPr>
+          <p:nvPr>
+            <p:ph type="title"/>
+          </p:nvPr>
+        </p:nvSpPr>
+        <p:spPr/>
+        <p:txBody>
+          <a:bodyPr>
+            <a:normAutofit fontScale="90000"/>
+          </a:bodyPr>
+          <a:lstStyle/>
+          <a:p>
+            <a:r>
+              <a:rPr lang="en-US" sz="3600" dirty="0" smtClean="0"/>
+              <a:t>Correlation between </a:t>
+            </a:r>
+            <a:r>
+              <a:rPr lang="en-US" sz="3600" dirty="0" err="1" smtClean="0"/>
+              <a:t>eQTLs</a:t>
+            </a:r>
+            <a:r>
+              <a:rPr lang="en-US" sz="3600" dirty="0" smtClean="0"/>
+              <a:t> predicted by two methods</a:t>
+            </a:r>
+            <a:endParaRPr lang="en-US" sz="3600" dirty="0"/>
+          </a:p>
+        </p:txBody>
+      </p:sp>
+      <p:pic>
+        <p:nvPicPr>
+          <p:cNvPr id="4" name="Content Placeholder 3"/>
+          <p:cNvPicPr>
+            <a:picLocks noGrp="1" noChangeAspect="1"/>
+          </p:cNvPicPr>
+          <p:nvPr>
+            <p:ph idx="1"/>
+          </p:nvPr>
+        </p:nvPicPr>
+        <p:blipFill>
+          <a:blip r:embed="rId2"/>
+          <a:srcRect l="-4896" r="-4896"/>
+          <a:stretch>
+            <a:fillRect/>
+          </a:stretch>
+        </p:blipFill>
+        <p:spPr/>
+      </p:pic>
+    </p:spTree>
+    <p:extLst>
+      <p:ext uri="{BB962C8B-B14F-4D97-AF65-F5344CB8AC3E}">
+        <p14:creationId xmlns:p14="http://schemas.microsoft.com/office/powerpoint/2010/main" val="1080029757"/>
+      </p:ext>
+    </p:extLst>
+  </p:cSld>
+  <p:clrMapOvr>
+    <a:masterClrMapping/>
+  </p:clrMapOvr>
+  <p:timing>
+    <p:tnLst>
+      <p:par>
+        <p:cTn xmlns:p14="http://schemas.microsoft.com/office/powerpoint/2010/main" id="1" dur="indefinite" restart="never" nodeType="tmRoot"/>
+      </p:par>
+    </p:tnLst>
+  </p:timing>
 </p:sld>
 </file>
 
